--- a/algos_summary.pptx
+++ b/algos_summary.pptx
@@ -30,6 +30,7 @@
     <p:sldId id="279" r:id="rId24"/>
     <p:sldId id="280" r:id="rId25"/>
     <p:sldId id="281" r:id="rId26"/>
+    <p:sldId id="282" r:id="rId27"/>
   </p:sldIdLst>
   <p:sldSz cx="9144000" cy="6858000" type="screen4x3"/>
   <p:notesSz cx="6858000" cy="9144000"/>
@@ -312,7 +313,7 @@
           <a:p>
             <a:fld id="{530820CF-B880-4189-942D-D702A7CBA730}" type="datetimeFigureOut">
               <a:rPr lang="zh-CN" altLang="en-US" smtClean="0"/>
-              <a:t>2018/1/28</a:t>
+              <a:t>2018/2/1</a:t>
             </a:fld>
             <a:endParaRPr lang="zh-CN" altLang="en-US"/>
           </a:p>
@@ -477,7 +478,7 @@
           <a:p>
             <a:fld id="{530820CF-B880-4189-942D-D702A7CBA730}" type="datetimeFigureOut">
               <a:rPr lang="zh-CN" altLang="en-US" smtClean="0"/>
-              <a:t>2018/1/28</a:t>
+              <a:t>2018/2/1</a:t>
             </a:fld>
             <a:endParaRPr lang="zh-CN" altLang="en-US"/>
           </a:p>
@@ -652,7 +653,7 @@
           <a:p>
             <a:fld id="{530820CF-B880-4189-942D-D702A7CBA730}" type="datetimeFigureOut">
               <a:rPr lang="zh-CN" altLang="en-US" smtClean="0"/>
-              <a:t>2018/1/28</a:t>
+              <a:t>2018/2/1</a:t>
             </a:fld>
             <a:endParaRPr lang="zh-CN" altLang="en-US"/>
           </a:p>
@@ -817,7 +818,7 @@
           <a:p>
             <a:fld id="{530820CF-B880-4189-942D-D702A7CBA730}" type="datetimeFigureOut">
               <a:rPr lang="zh-CN" altLang="en-US" smtClean="0"/>
-              <a:t>2018/1/28</a:t>
+              <a:t>2018/2/1</a:t>
             </a:fld>
             <a:endParaRPr lang="zh-CN" altLang="en-US"/>
           </a:p>
@@ -1058,7 +1059,7 @@
           <a:p>
             <a:fld id="{530820CF-B880-4189-942D-D702A7CBA730}" type="datetimeFigureOut">
               <a:rPr lang="zh-CN" altLang="en-US" smtClean="0"/>
-              <a:t>2018/1/28</a:t>
+              <a:t>2018/2/1</a:t>
             </a:fld>
             <a:endParaRPr lang="zh-CN" altLang="en-US"/>
           </a:p>
@@ -1341,7 +1342,7 @@
           <a:p>
             <a:fld id="{530820CF-B880-4189-942D-D702A7CBA730}" type="datetimeFigureOut">
               <a:rPr lang="zh-CN" altLang="en-US" smtClean="0"/>
-              <a:t>2018/1/28</a:t>
+              <a:t>2018/2/1</a:t>
             </a:fld>
             <a:endParaRPr lang="zh-CN" altLang="en-US"/>
           </a:p>
@@ -1758,7 +1759,7 @@
           <a:p>
             <a:fld id="{530820CF-B880-4189-942D-D702A7CBA730}" type="datetimeFigureOut">
               <a:rPr lang="zh-CN" altLang="en-US" smtClean="0"/>
-              <a:t>2018/1/28</a:t>
+              <a:t>2018/2/1</a:t>
             </a:fld>
             <a:endParaRPr lang="zh-CN" altLang="en-US"/>
           </a:p>
@@ -1871,7 +1872,7 @@
           <a:p>
             <a:fld id="{530820CF-B880-4189-942D-D702A7CBA730}" type="datetimeFigureOut">
               <a:rPr lang="zh-CN" altLang="en-US" smtClean="0"/>
-              <a:t>2018/1/28</a:t>
+              <a:t>2018/2/1</a:t>
             </a:fld>
             <a:endParaRPr lang="zh-CN" altLang="en-US"/>
           </a:p>
@@ -1961,7 +1962,7 @@
           <a:p>
             <a:fld id="{530820CF-B880-4189-942D-D702A7CBA730}" type="datetimeFigureOut">
               <a:rPr lang="zh-CN" altLang="en-US" smtClean="0"/>
-              <a:t>2018/1/28</a:t>
+              <a:t>2018/2/1</a:t>
             </a:fld>
             <a:endParaRPr lang="zh-CN" altLang="en-US"/>
           </a:p>
@@ -2233,7 +2234,7 @@
           <a:p>
             <a:fld id="{530820CF-B880-4189-942D-D702A7CBA730}" type="datetimeFigureOut">
               <a:rPr lang="zh-CN" altLang="en-US" smtClean="0"/>
-              <a:t>2018/1/28</a:t>
+              <a:t>2018/2/1</a:t>
             </a:fld>
             <a:endParaRPr lang="zh-CN" altLang="en-US"/>
           </a:p>
@@ -2481,7 +2482,7 @@
           <a:p>
             <a:fld id="{530820CF-B880-4189-942D-D702A7CBA730}" type="datetimeFigureOut">
               <a:rPr lang="zh-CN" altLang="en-US" smtClean="0"/>
-              <a:t>2018/1/28</a:t>
+              <a:t>2018/2/1</a:t>
             </a:fld>
             <a:endParaRPr lang="zh-CN" altLang="en-US"/>
           </a:p>
@@ -2689,7 +2690,7 @@
           <a:p>
             <a:fld id="{530820CF-B880-4189-942D-D702A7CBA730}" type="datetimeFigureOut">
               <a:rPr lang="zh-CN" altLang="en-US" smtClean="0"/>
-              <a:t>2018/1/28</a:t>
+              <a:t>2018/2/1</a:t>
             </a:fld>
             <a:endParaRPr lang="zh-CN" altLang="en-US"/>
           </a:p>
@@ -3986,34 +3987,14 @@
             </a:r>
             <a:r>
               <a:rPr lang="zh-CN" altLang="en-US" dirty="0" smtClean="0"/>
-              <a:t>开始</a:t>
-            </a:r>
-            <a:r>
-              <a:rPr lang="zh-CN" altLang="en-US" dirty="0" smtClean="0"/>
-              <a:t>，指数增长</a:t>
-            </a:r>
-            <a:r>
-              <a:rPr lang="zh-CN" altLang="en-US" dirty="0" smtClean="0"/>
-              <a:t>。</a:t>
-            </a:r>
-            <a:endParaRPr lang="en-US" altLang="zh-CN" dirty="0" smtClean="0"/>
-          </a:p>
-          <a:p>
-            <a:r>
-              <a:rPr lang="zh-CN" altLang="en-US" dirty="0" smtClean="0"/>
-              <a:t>拥塞避免</a:t>
-            </a:r>
-            <a:r>
-              <a:rPr lang="zh-CN" altLang="en-US" dirty="0" smtClean="0"/>
-              <a:t>：线性增长；发生</a:t>
-            </a:r>
-            <a:r>
-              <a:rPr lang="zh-CN" altLang="en-US" dirty="0" smtClean="0"/>
-              <a:t>丢包</a:t>
-            </a:r>
-            <a:r>
-              <a:rPr lang="zh-CN" altLang="en-US" dirty="0" smtClean="0"/>
-              <a:t>，进入慢启动。</a:t>
+              <a:t>开始，指数增长。</a:t>
+            </a:r>
+            <a:endParaRPr lang="en-US" altLang="zh-CN" dirty="0" smtClean="0"/>
+          </a:p>
+          <a:p>
+            <a:r>
+              <a:rPr lang="zh-CN" altLang="en-US" dirty="0" smtClean="0"/>
+              <a:t>拥塞避免：线性增长；发生丢包，进入慢启动。</a:t>
             </a:r>
             <a:endParaRPr lang="en-US" altLang="zh-CN" dirty="0" smtClean="0"/>
           </a:p>
@@ -5313,11 +5294,7 @@
             </a:r>
             <a:r>
               <a:rPr lang="en-US" altLang="zh-CN" dirty="0" smtClean="0"/>
-              <a:t>) </a:t>
-            </a:r>
-            <a:r>
-              <a:rPr lang="en-US" altLang="zh-CN" dirty="0" smtClean="0"/>
-              <a:t>{</a:t>
+              <a:t>) {</a:t>
             </a:r>
           </a:p>
           <a:p>
@@ -5337,7 +5314,6 @@
               <a:rPr lang="en-US" altLang="zh-CN" dirty="0" smtClean="0"/>
               <a:t> = first-&gt;next;</a:t>
             </a:r>
-            <a:endParaRPr lang="en-US" altLang="zh-CN" dirty="0" smtClean="0"/>
           </a:p>
           <a:p>
             <a:r>
@@ -5360,33 +5336,54 @@
             </a:r>
             <a:r>
               <a:rPr lang="en-US" altLang="zh-CN" dirty="0" smtClean="0"/>
+              <a:t>       second-&gt;next = </a:t>
+            </a:r>
+            <a:r>
+              <a:rPr lang="en-US" altLang="zh-CN" dirty="0" err="1" smtClean="0"/>
+              <a:t>curr</a:t>
+            </a:r>
+            <a:r>
+              <a:rPr lang="en-US" altLang="zh-CN" dirty="0" smtClean="0"/>
+              <a:t>-&gt;next;</a:t>
+            </a:r>
+          </a:p>
+          <a:p>
+            <a:r>
+              <a:rPr lang="en-US" altLang="zh-CN" dirty="0"/>
+              <a:t> </a:t>
+            </a:r>
+            <a:r>
+              <a:rPr lang="en-US" altLang="zh-CN" dirty="0" smtClean="0"/>
               <a:t>       </a:t>
             </a:r>
             <a:r>
-              <a:rPr lang="en-US" altLang="zh-CN" dirty="0" smtClean="0"/>
-              <a:t>second-&gt;next </a:t>
-            </a:r>
-            <a:r>
-              <a:rPr lang="en-US" altLang="zh-CN" dirty="0" smtClean="0"/>
-              <a:t>= </a:t>
-            </a:r>
-            <a:r>
               <a:rPr lang="en-US" altLang="zh-CN" dirty="0" err="1" smtClean="0"/>
               <a:t>curr</a:t>
             </a:r>
             <a:r>
               <a:rPr lang="en-US" altLang="zh-CN" dirty="0" smtClean="0"/>
-              <a:t>-&gt;next;</a:t>
-            </a:r>
-          </a:p>
-          <a:p>
-            <a:r>
-              <a:rPr lang="en-US" altLang="zh-CN" dirty="0"/>
-              <a:t> </a:t>
-            </a:r>
-            <a:r>
-              <a:rPr lang="en-US" altLang="zh-CN" dirty="0" smtClean="0"/>
-              <a:t>       </a:t>
+              <a:t>-&gt;next = </a:t>
+            </a:r>
+            <a:r>
+              <a:rPr lang="en-US" altLang="zh-CN" dirty="0" err="1" smtClean="0"/>
+              <a:t>f_n</a:t>
+            </a:r>
+            <a:r>
+              <a:rPr lang="en-US" altLang="zh-CN" dirty="0" smtClean="0"/>
+              <a:t>;</a:t>
+            </a:r>
+          </a:p>
+          <a:p>
+            <a:r>
+              <a:rPr lang="en-US" altLang="zh-CN" dirty="0" smtClean="0"/>
+              <a:t>        </a:t>
+            </a:r>
+            <a:endParaRPr lang="en-US" altLang="zh-CN" dirty="0"/>
+          </a:p>
+          <a:p>
+            <a:r>
+              <a:rPr lang="en-US" altLang="zh-CN" dirty="0" smtClean="0"/>
+              <a:t>        </a:t>
             </a:r>
             <a:r>
               <a:rPr lang="en-US" altLang="zh-CN" dirty="0" err="1" smtClean="0"/>
@@ -5394,43 +5391,8 @@
             </a:r>
             <a:r>
               <a:rPr lang="en-US" altLang="zh-CN" dirty="0" smtClean="0"/>
-              <a:t>-&gt;next = </a:t>
-            </a:r>
-            <a:r>
-              <a:rPr lang="en-US" altLang="zh-CN" dirty="0" err="1" smtClean="0"/>
-              <a:t>f_n</a:t>
-            </a:r>
-            <a:r>
-              <a:rPr lang="en-US" altLang="zh-CN" dirty="0" smtClean="0"/>
-              <a:t>;</a:t>
-            </a:r>
-            <a:endParaRPr lang="en-US" altLang="zh-CN" dirty="0" smtClean="0"/>
-          </a:p>
-          <a:p>
-            <a:r>
-              <a:rPr lang="en-US" altLang="zh-CN" dirty="0" smtClean="0"/>
-              <a:t>        </a:t>
-            </a:r>
-            <a:endParaRPr lang="en-US" altLang="zh-CN" dirty="0"/>
-          </a:p>
-          <a:p>
-            <a:r>
-              <a:rPr lang="en-US" altLang="zh-CN" dirty="0" smtClean="0"/>
-              <a:t>        </a:t>
-            </a:r>
-            <a:r>
-              <a:rPr lang="en-US" altLang="zh-CN" dirty="0" err="1" smtClean="0"/>
-              <a:t>curr</a:t>
-            </a:r>
-            <a:r>
-              <a:rPr lang="en-US" altLang="zh-CN" dirty="0" smtClean="0"/>
-              <a:t> = second-&gt;next</a:t>
-            </a:r>
-            <a:r>
-              <a:rPr lang="en-US" altLang="zh-CN" dirty="0" smtClean="0"/>
-              <a:t>;</a:t>
-            </a:r>
-            <a:endParaRPr lang="en-US" altLang="zh-CN" dirty="0" smtClean="0"/>
+              <a:t> = second-&gt;next;</a:t>
+            </a:r>
           </a:p>
           <a:p>
             <a:r>
@@ -8625,7 +8587,7 @@
         <p:spPr>
           <a:xfrm>
             <a:off x="467544" y="332656"/>
-            <a:ext cx="1015021" cy="400110"/>
+            <a:ext cx="1434175" cy="400110"/>
           </a:xfrm>
           <a:prstGeom prst="rect">
             <a:avLst/>
@@ -8643,8 +8605,12 @@
               <a:t>15 </a:t>
             </a:r>
             <a:r>
-              <a:rPr lang="zh-CN" altLang="en-US" sz="2000" dirty="0" smtClean="0"/>
-              <a:t>其他</a:t>
+              <a:rPr lang="en-US" altLang="zh-CN" sz="2000" dirty="0" smtClean="0"/>
+              <a:t>NAT</a:t>
+            </a:r>
+            <a:r>
+              <a:rPr lang="zh-CN" altLang="en-US" sz="2000" dirty="0"/>
+              <a:t>打洞</a:t>
             </a:r>
             <a:endParaRPr lang="zh-CN" altLang="en-US" sz="2000" dirty="0"/>
           </a:p>
@@ -8659,7 +8625,7 @@
         <p:spPr>
           <a:xfrm>
             <a:off x="539552" y="764704"/>
-            <a:ext cx="8208912" cy="5909310"/>
+            <a:ext cx="8208912" cy="646331"/>
           </a:xfrm>
           <a:prstGeom prst="rect">
             <a:avLst/>
@@ -8674,22 +8640,71 @@
           <a:p>
             <a:r>
               <a:rPr lang="en-US" altLang="zh-CN" dirty="0" smtClean="0"/>
-              <a:t>1.NAT</a:t>
-            </a:r>
-            <a:r>
-              <a:rPr lang="zh-CN" altLang="en-US" dirty="0" smtClean="0"/>
-              <a:t>打洞</a:t>
-            </a:r>
-            <a:endParaRPr lang="en-US" altLang="zh-CN" dirty="0" smtClean="0"/>
-          </a:p>
-          <a:p>
-            <a:r>
-              <a:rPr lang="en-US" altLang="zh-CN" dirty="0" smtClean="0"/>
-              <a:t>    a) </a:t>
-            </a:r>
-            <a:r>
-              <a:rPr lang="zh-CN" altLang="en-US" dirty="0" smtClean="0"/>
-              <a:t>全锥型</a:t>
+              <a:t>NAT</a:t>
+            </a:r>
+            <a:r>
+              <a:rPr lang="zh-CN" altLang="en-US" dirty="0" smtClean="0"/>
+              <a:t>类型：</a:t>
+            </a:r>
+            <a:r>
+              <a:rPr lang="en-US" altLang="zh-CN" dirty="0" smtClean="0"/>
+              <a:t>a</a:t>
+            </a:r>
+            <a:r>
+              <a:rPr lang="en-US" altLang="zh-CN" dirty="0" smtClean="0"/>
+              <a:t>) </a:t>
+            </a:r>
+            <a:r>
+              <a:rPr lang="zh-CN" altLang="en-US" dirty="0" smtClean="0"/>
+              <a:t>全锥</a:t>
+            </a:r>
+            <a:r>
+              <a:rPr lang="zh-CN" altLang="en-US" dirty="0" smtClean="0"/>
+              <a:t>型 </a:t>
+            </a:r>
+            <a:r>
+              <a:rPr lang="en-US" altLang="zh-CN" dirty="0" smtClean="0"/>
+              <a:t>b</a:t>
+            </a:r>
+            <a:r>
+              <a:rPr lang="en-US" altLang="zh-CN" dirty="0" smtClean="0"/>
+              <a:t>) </a:t>
+            </a:r>
+            <a:r>
+              <a:rPr lang="zh-CN" altLang="en-US" dirty="0" smtClean="0"/>
+              <a:t>受限锥</a:t>
+            </a:r>
+            <a:r>
+              <a:rPr lang="zh-CN" altLang="en-US" dirty="0" smtClean="0"/>
+              <a:t>型 </a:t>
+            </a:r>
+            <a:r>
+              <a:rPr lang="en-US" altLang="zh-CN" dirty="0" smtClean="0"/>
+              <a:t>c</a:t>
+            </a:r>
+            <a:r>
+              <a:rPr lang="en-US" altLang="zh-CN" dirty="0" smtClean="0"/>
+              <a:t>) </a:t>
+            </a:r>
+            <a:r>
+              <a:rPr lang="zh-CN" altLang="en-US" dirty="0" smtClean="0"/>
+              <a:t>端口受限锥</a:t>
+            </a:r>
+            <a:r>
+              <a:rPr lang="zh-CN" altLang="en-US" dirty="0" smtClean="0"/>
+              <a:t>型 </a:t>
+            </a:r>
+            <a:r>
+              <a:rPr lang="en-US" altLang="zh-CN" dirty="0" smtClean="0"/>
+              <a:t>d</a:t>
+            </a:r>
+            <a:r>
+              <a:rPr lang="en-US" altLang="zh-CN" dirty="0" smtClean="0"/>
+              <a:t>) </a:t>
+            </a:r>
+            <a:r>
+              <a:rPr lang="zh-CN" altLang="en-US" dirty="0" smtClean="0"/>
+              <a:t>对称型</a:t>
             </a:r>
             <a:endParaRPr lang="en-US" altLang="zh-CN" dirty="0" smtClean="0"/>
           </a:p>
@@ -8700,277 +8715,392 @@
             </a:r>
             <a:r>
               <a:rPr lang="en-US" altLang="zh-CN" dirty="0" smtClean="0"/>
-              <a:t>   b) </a:t>
-            </a:r>
-            <a:r>
-              <a:rPr lang="zh-CN" altLang="en-US" dirty="0" smtClean="0"/>
-              <a:t>受限锥型</a:t>
-            </a:r>
-            <a:endParaRPr lang="en-US" altLang="zh-CN" dirty="0" smtClean="0"/>
-          </a:p>
-          <a:p>
-            <a:r>
-              <a:rPr lang="en-US" altLang="zh-CN" dirty="0"/>
-              <a:t> </a:t>
-            </a:r>
-            <a:r>
-              <a:rPr lang="en-US" altLang="zh-CN" dirty="0" smtClean="0"/>
-              <a:t>   c) </a:t>
-            </a:r>
-            <a:r>
-              <a:rPr lang="zh-CN" altLang="en-US" dirty="0" smtClean="0"/>
-              <a:t>端口受限锥型</a:t>
-            </a:r>
-            <a:endParaRPr lang="en-US" altLang="zh-CN" dirty="0" smtClean="0"/>
-          </a:p>
-          <a:p>
-            <a:r>
-              <a:rPr lang="en-US" altLang="zh-CN" dirty="0"/>
-              <a:t> </a:t>
-            </a:r>
-            <a:r>
-              <a:rPr lang="en-US" altLang="zh-CN" dirty="0" smtClean="0"/>
-              <a:t>   d) </a:t>
-            </a:r>
-            <a:r>
-              <a:rPr lang="zh-CN" altLang="en-US" dirty="0" smtClean="0"/>
-              <a:t>对称型</a:t>
-            </a:r>
-            <a:endParaRPr lang="en-US" altLang="zh-CN" dirty="0" smtClean="0"/>
-          </a:p>
-          <a:p>
-            <a:r>
-              <a:rPr lang="en-US" altLang="zh-CN" dirty="0"/>
-              <a:t> </a:t>
-            </a:r>
-            <a:r>
-              <a:rPr lang="en-US" altLang="zh-CN" dirty="0" smtClean="0"/>
               <a:t>   </a:t>
             </a:r>
             <a:r>
               <a:rPr lang="zh-CN" altLang="en-US" dirty="0" smtClean="0"/>
-              <a:t>不能打动成功的情况是端口受限锥型、对称型与对称型相互打洞。</a:t>
-            </a:r>
-            <a:endParaRPr lang="en-US" altLang="zh-CN" dirty="0" smtClean="0"/>
-          </a:p>
-          <a:p>
-            <a:endParaRPr lang="en-US" altLang="zh-CN" dirty="0" smtClean="0"/>
-          </a:p>
-          <a:p>
-            <a:r>
-              <a:rPr lang="en-US" altLang="zh-CN" dirty="0" smtClean="0"/>
-              <a:t>2.go </a:t>
-            </a:r>
-            <a:r>
-              <a:rPr lang="en-US" altLang="zh-CN" dirty="0" err="1" smtClean="0"/>
-              <a:t>gc</a:t>
-            </a:r>
-            <a:endParaRPr lang="en-US" altLang="zh-CN" dirty="0" smtClean="0"/>
-          </a:p>
-          <a:p>
-            <a:r>
-              <a:rPr lang="en-US" altLang="zh-CN" dirty="0" smtClean="0"/>
-              <a:t>    </a:t>
-            </a:r>
-            <a:r>
-              <a:rPr lang="zh-CN" altLang="en-US" dirty="0" smtClean="0"/>
-              <a:t>三色标记法。</a:t>
-            </a:r>
-            <a:endParaRPr lang="en-US" altLang="zh-CN" dirty="0" smtClean="0"/>
-          </a:p>
-          <a:p>
-            <a:r>
-              <a:rPr lang="en-US" altLang="zh-CN" dirty="0"/>
-              <a:t> </a:t>
-            </a:r>
-            <a:r>
-              <a:rPr lang="en-US" altLang="zh-CN" dirty="0" smtClean="0"/>
-              <a:t>   1. stop-the-world</a:t>
-            </a:r>
-          </a:p>
-          <a:p>
-            <a:r>
-              <a:rPr lang="en-US" altLang="zh-CN" dirty="0"/>
-              <a:t> </a:t>
-            </a:r>
-            <a:r>
-              <a:rPr lang="en-US" altLang="zh-CN" dirty="0" smtClean="0"/>
-              <a:t>   2. </a:t>
-            </a:r>
-            <a:r>
-              <a:rPr lang="zh-CN" altLang="en-US" dirty="0" smtClean="0"/>
-              <a:t>遍历变量的指针连接网络并标记分配的内存块。初始全部为</a:t>
-            </a:r>
-            <a:r>
-              <a:rPr lang="en-US" altLang="zh-CN" dirty="0" smtClean="0"/>
-              <a:t>white</a:t>
-            </a:r>
-            <a:r>
-              <a:rPr lang="zh-CN" altLang="en-US" dirty="0" smtClean="0"/>
-              <a:t>，每层根为</a:t>
-            </a:r>
-            <a:r>
-              <a:rPr lang="en-US" altLang="zh-CN" dirty="0" smtClean="0"/>
-              <a:t>black</a:t>
-            </a:r>
-            <a:r>
-              <a:rPr lang="zh-CN" altLang="en-US" dirty="0" smtClean="0"/>
-              <a:t>，子节点为</a:t>
-            </a:r>
-            <a:r>
-              <a:rPr lang="en-US" altLang="zh-CN" dirty="0" smtClean="0"/>
-              <a:t>grey</a:t>
-            </a:r>
-            <a:r>
-              <a:rPr lang="zh-CN" altLang="en-US" dirty="0" smtClean="0"/>
-              <a:t>，继续遍历</a:t>
-            </a:r>
-            <a:r>
-              <a:rPr lang="en-US" altLang="zh-CN" dirty="0" smtClean="0"/>
-              <a:t>grey</a:t>
-            </a:r>
-            <a:r>
-              <a:rPr lang="zh-CN" altLang="en-US" dirty="0" smtClean="0"/>
-              <a:t>。最后只剩</a:t>
-            </a:r>
-            <a:r>
-              <a:rPr lang="en-US" altLang="zh-CN" dirty="0" smtClean="0"/>
-              <a:t>black</a:t>
-            </a:r>
-            <a:r>
-              <a:rPr lang="zh-CN" altLang="en-US" dirty="0" smtClean="0"/>
-              <a:t>和</a:t>
-            </a:r>
-            <a:r>
-              <a:rPr lang="en-US" altLang="zh-CN" dirty="0" smtClean="0"/>
-              <a:t>white</a:t>
-            </a:r>
-            <a:r>
-              <a:rPr lang="zh-CN" altLang="en-US" dirty="0" smtClean="0"/>
-              <a:t>。</a:t>
-            </a:r>
-            <a:r>
-              <a:rPr lang="en-US" altLang="zh-CN" dirty="0"/>
-              <a:t>w</a:t>
-            </a:r>
-            <a:r>
-              <a:rPr lang="en-US" altLang="zh-CN" dirty="0" smtClean="0"/>
-              <a:t>hite</a:t>
-            </a:r>
-            <a:r>
-              <a:rPr lang="zh-CN" altLang="en-US" dirty="0" smtClean="0"/>
-              <a:t>即不可达的节点，即可回收。</a:t>
-            </a:r>
-            <a:endParaRPr lang="en-US" altLang="zh-CN" dirty="0" smtClean="0"/>
-          </a:p>
-          <a:p>
-            <a:r>
-              <a:rPr lang="en-US" altLang="zh-CN" dirty="0"/>
-              <a:t> </a:t>
-            </a:r>
-            <a:r>
-              <a:rPr lang="en-US" altLang="zh-CN" dirty="0" smtClean="0"/>
-              <a:t>   3. </a:t>
-            </a:r>
-            <a:r>
-              <a:rPr lang="zh-CN" altLang="en-US" dirty="0" smtClean="0"/>
-              <a:t>清理，回收</a:t>
-            </a:r>
-            <a:r>
-              <a:rPr lang="en-US" altLang="zh-CN" dirty="0" smtClean="0"/>
-              <a:t>white</a:t>
-            </a:r>
-            <a:r>
-              <a:rPr lang="zh-CN" altLang="en-US" dirty="0" smtClean="0"/>
-              <a:t>节点。</a:t>
-            </a:r>
-            <a:endParaRPr lang="en-US" altLang="zh-CN" dirty="0" smtClean="0"/>
-          </a:p>
-          <a:p>
-            <a:r>
-              <a:rPr lang="en-US" altLang="zh-CN" dirty="0"/>
-              <a:t> </a:t>
-            </a:r>
-            <a:r>
-              <a:rPr lang="en-US" altLang="zh-CN" dirty="0" smtClean="0"/>
-              <a:t>   4. start-the-world</a:t>
-            </a:r>
-            <a:endParaRPr lang="en-US" altLang="zh-CN" dirty="0"/>
-          </a:p>
-          <a:p>
-            <a:r>
-              <a:rPr lang="en-US" altLang="zh-CN" dirty="0" smtClean="0"/>
-              <a:t>    </a:t>
-            </a:r>
-            <a:r>
-              <a:rPr lang="zh-CN" altLang="en-US" dirty="0" smtClean="0"/>
-              <a:t>三色标记法的好处是，可以将扫描出的</a:t>
-            </a:r>
-            <a:r>
-              <a:rPr lang="en-US" altLang="zh-CN" dirty="0" smtClean="0"/>
-              <a:t>white</a:t>
-            </a:r>
-            <a:r>
-              <a:rPr lang="zh-CN" altLang="en-US" dirty="0" smtClean="0"/>
-              <a:t>节点慢慢回收，立即恢复业务执行，减少</a:t>
-            </a:r>
-            <a:r>
-              <a:rPr lang="en-US" altLang="zh-CN" dirty="0" err="1" smtClean="0"/>
-              <a:t>gc</a:t>
-            </a:r>
-            <a:r>
-              <a:rPr lang="zh-CN" altLang="en-US" dirty="0" smtClean="0"/>
-              <a:t>导致的系统</a:t>
-            </a:r>
-            <a:r>
-              <a:rPr lang="en-US" altLang="zh-CN" dirty="0" smtClean="0"/>
-              <a:t>delay</a:t>
-            </a:r>
-            <a:r>
-              <a:rPr lang="zh-CN" altLang="en-US" dirty="0"/>
-              <a:t>时间</a:t>
-            </a:r>
-            <a:r>
-              <a:rPr lang="zh-CN" altLang="en-US" dirty="0" smtClean="0"/>
-              <a:t>。</a:t>
-            </a:r>
-            <a:endParaRPr lang="en-US" altLang="zh-CN" dirty="0" smtClean="0"/>
-          </a:p>
-          <a:p>
-            <a:endParaRPr lang="en-US" altLang="zh-CN" dirty="0" smtClean="0"/>
-          </a:p>
-          <a:p>
-            <a:r>
-              <a:rPr lang="en-US" altLang="zh-CN" dirty="0" smtClean="0"/>
-              <a:t>3.</a:t>
-            </a:r>
-            <a:r>
-              <a:rPr lang="zh-CN" altLang="en-US" dirty="0" smtClean="0"/>
-              <a:t>反向代理</a:t>
-            </a:r>
-            <a:endParaRPr lang="en-US" altLang="zh-CN" dirty="0" smtClean="0"/>
-          </a:p>
-          <a:p>
-            <a:r>
-              <a:rPr lang="en-US" altLang="zh-CN" dirty="0"/>
-              <a:t> </a:t>
-            </a:r>
-            <a:r>
-              <a:rPr lang="en-US" altLang="zh-CN" dirty="0" smtClean="0"/>
-              <a:t>   </a:t>
-            </a:r>
-            <a:r>
-              <a:rPr lang="zh-CN" altLang="en-US" dirty="0" smtClean="0"/>
-              <a:t>好处：防止对内部服务器的攻击，安全验证，缓解单台压力，缓存并提高并发性能。</a:t>
-            </a:r>
-            <a:endParaRPr lang="en-US" altLang="zh-CN" dirty="0"/>
-          </a:p>
-        </p:txBody>
-      </p:sp>
+              <a:t>不能打动成功的情况是端口受限锥型、对称型与对称型相互打洞</a:t>
+            </a:r>
+            <a:r>
+              <a:rPr lang="zh-CN" altLang="en-US" dirty="0" smtClean="0"/>
+              <a:t>。如下图：</a:t>
+            </a:r>
+            <a:endParaRPr lang="en-US" altLang="zh-CN" dirty="0" smtClean="0"/>
+          </a:p>
+        </p:txBody>
+      </p:sp>
+      <p:pic>
+        <p:nvPicPr>
+          <p:cNvPr id="1026" name="Picture 2" descr="http://www.blogjava.net/images/blogjava_net/linli/nat/Symmetric_NAT-Symmetric_NAT.png"/>
+          <p:cNvPicPr>
+            <a:picLocks noChangeAspect="1" noChangeArrowheads="1"/>
+          </p:cNvPicPr>
+          <p:nvPr/>
+        </p:nvPicPr>
+        <p:blipFill>
+          <a:blip r:embed="rId2">
+            <a:extLst>
+              <a:ext uri="{28A0092B-C50C-407E-A947-70E740481C1C}">
+                <a14:useLocalDpi xmlns:a14="http://schemas.microsoft.com/office/drawing/2010/main" val="0"/>
+              </a:ext>
+            </a:extLst>
+          </a:blip>
+          <a:srcRect/>
+          <a:stretch>
+            <a:fillRect/>
+          </a:stretch>
+        </p:blipFill>
+        <p:spPr bwMode="auto">
+          <a:xfrm>
+            <a:off x="253912" y="3645025"/>
+            <a:ext cx="8350536" cy="3096344"/>
+          </a:xfrm>
+          <a:prstGeom prst="rect">
+            <a:avLst/>
+          </a:prstGeom>
+          <a:noFill/>
+          <a:extLst>
+            <a:ext uri="{909E8E84-426E-40DD-AFC4-6F175D3DCCD1}">
+              <a14:hiddenFill xmlns:a14="http://schemas.microsoft.com/office/drawing/2010/main">
+                <a:solidFill>
+                  <a:srgbClr val="FFFFFF"/>
+                </a:solidFill>
+              </a14:hiddenFill>
+            </a:ext>
+          </a:extLst>
+        </p:spPr>
+      </p:pic>
+      <p:pic>
+        <p:nvPicPr>
+          <p:cNvPr id="1028" name="Picture 4" descr="http://www.blogjava.net/images/blogjava_net/linli/nat/Port_Restricted_Cone-Symmetric_NAT.png"/>
+          <p:cNvPicPr>
+            <a:picLocks noChangeAspect="1" noChangeArrowheads="1"/>
+          </p:cNvPicPr>
+          <p:nvPr/>
+        </p:nvPicPr>
+        <p:blipFill>
+          <a:blip r:embed="rId3">
+            <a:extLst>
+              <a:ext uri="{28A0092B-C50C-407E-A947-70E740481C1C}">
+                <a14:useLocalDpi xmlns:a14="http://schemas.microsoft.com/office/drawing/2010/main" val="0"/>
+              </a:ext>
+            </a:extLst>
+          </a:blip>
+          <a:srcRect/>
+          <a:stretch>
+            <a:fillRect/>
+          </a:stretch>
+        </p:blipFill>
+        <p:spPr bwMode="auto">
+          <a:xfrm>
+            <a:off x="164468" y="1052736"/>
+            <a:ext cx="8439980" cy="3129509"/>
+          </a:xfrm>
+          <a:prstGeom prst="rect">
+            <a:avLst/>
+          </a:prstGeom>
+          <a:noFill/>
+          <a:extLst>
+            <a:ext uri="{909E8E84-426E-40DD-AFC4-6F175D3DCCD1}">
+              <a14:hiddenFill xmlns:a14="http://schemas.microsoft.com/office/drawing/2010/main">
+                <a:solidFill>
+                  <a:srgbClr val="FFFFFF"/>
+                </a:solidFill>
+              </a14:hiddenFill>
+            </a:ext>
+          </a:extLst>
+        </p:spPr>
+      </p:pic>
     </p:spTree>
     <p:extLst>
       <p:ext uri="{BB962C8B-B14F-4D97-AF65-F5344CB8AC3E}">
         <p14:creationId xmlns:p14="http://schemas.microsoft.com/office/powerpoint/2010/main" val="1623233829"/>
+      </p:ext>
+    </p:extLst>
+  </p:cSld>
+  <p:clrMapOvr>
+    <a:masterClrMapping/>
+  </p:clrMapOvr>
+  <p:timing>
+    <p:tnLst>
+      <p:par>
+        <p:cTn id="1" dur="indefinite" restart="never" nodeType="tmRoot"/>
+      </p:par>
+    </p:tnLst>
+  </p:timing>
+</p:sld>
+</file>
+
+<file path=ppt/slides/slide26.xml><?xml version="1.0" encoding="utf-8"?>
+<p:sld xmlns:a="http://schemas.openxmlformats.org/drawingml/2006/main" xmlns:r="http://schemas.openxmlformats.org/officeDocument/2006/relationships" xmlns:p="http://schemas.openxmlformats.org/presentationml/2006/main">
+  <p:cSld>
+    <p:spTree>
+      <p:nvGrpSpPr>
+        <p:cNvPr id="1" name=""/>
+        <p:cNvGrpSpPr/>
+        <p:nvPr/>
+      </p:nvGrpSpPr>
+      <p:grpSpPr>
+        <a:xfrm>
+          <a:off x="0" y="0"/>
+          <a:ext cx="0" cy="0"/>
+          <a:chOff x="0" y="0"/>
+          <a:chExt cx="0" cy="0"/>
+        </a:xfrm>
+      </p:grpSpPr>
+      <p:sp>
+        <p:nvSpPr>
+          <p:cNvPr id="6" name="TextBox 5"/>
+          <p:cNvSpPr txBox="1"/>
+          <p:nvPr/>
+        </p:nvSpPr>
+        <p:spPr>
+          <a:xfrm>
+            <a:off x="467544" y="332656"/>
+            <a:ext cx="1478290" cy="400110"/>
+          </a:xfrm>
+          <a:prstGeom prst="rect">
+            <a:avLst/>
+          </a:prstGeom>
+          <a:noFill/>
+        </p:spPr>
+        <p:txBody>
+          <a:bodyPr wrap="none" rtlCol="0">
+            <a:spAutoFit/>
+          </a:bodyPr>
+          <a:lstStyle/>
+          <a:p>
+            <a:r>
+              <a:rPr lang="en-US" altLang="zh-CN" sz="2000" dirty="0" smtClean="0"/>
+              <a:t>16 </a:t>
+            </a:r>
+            <a:r>
+              <a:rPr lang="en-US" altLang="zh-CN" sz="2000" dirty="0" err="1" smtClean="0"/>
+              <a:t>golang</a:t>
+            </a:r>
+            <a:r>
+              <a:rPr lang="en-US" altLang="zh-CN" sz="2000" dirty="0" smtClean="0"/>
+              <a:t> </a:t>
+            </a:r>
+            <a:r>
+              <a:rPr lang="en-US" altLang="zh-CN" sz="2000" dirty="0" err="1" smtClean="0"/>
+              <a:t>gc</a:t>
+            </a:r>
+            <a:endParaRPr lang="zh-CN" altLang="en-US" sz="2000" dirty="0"/>
+          </a:p>
+        </p:txBody>
+      </p:sp>
+      <p:sp>
+        <p:nvSpPr>
+          <p:cNvPr id="7" name="TextBox 6"/>
+          <p:cNvSpPr txBox="1"/>
+          <p:nvPr/>
+        </p:nvSpPr>
+        <p:spPr>
+          <a:xfrm>
+            <a:off x="539552" y="764704"/>
+            <a:ext cx="8208912" cy="2862322"/>
+          </a:xfrm>
+          <a:prstGeom prst="rect">
+            <a:avLst/>
+          </a:prstGeom>
+          <a:noFill/>
+        </p:spPr>
+        <p:txBody>
+          <a:bodyPr wrap="square" rtlCol="0">
+            <a:spAutoFit/>
+          </a:bodyPr>
+          <a:lstStyle/>
+          <a:p>
+            <a:r>
+              <a:rPr lang="en-US" altLang="zh-CN" dirty="0" smtClean="0"/>
+              <a:t>go </a:t>
+            </a:r>
+            <a:r>
+              <a:rPr lang="en-US" altLang="zh-CN" dirty="0" err="1" smtClean="0"/>
+              <a:t>gc</a:t>
+            </a:r>
+            <a:r>
+              <a:rPr lang="zh-CN" altLang="en-US" dirty="0" smtClean="0"/>
+              <a:t>：</a:t>
+            </a:r>
+            <a:endParaRPr lang="en-US" altLang="zh-CN" dirty="0" smtClean="0"/>
+          </a:p>
+          <a:p>
+            <a:r>
+              <a:rPr lang="en-US" altLang="zh-CN" dirty="0" smtClean="0"/>
+              <a:t>    </a:t>
+            </a:r>
+            <a:r>
+              <a:rPr lang="zh-CN" altLang="en-US" dirty="0" smtClean="0"/>
+              <a:t>三色标记法。</a:t>
+            </a:r>
+            <a:endParaRPr lang="en-US" altLang="zh-CN" dirty="0" smtClean="0"/>
+          </a:p>
+          <a:p>
+            <a:r>
+              <a:rPr lang="en-US" altLang="zh-CN" dirty="0"/>
+              <a:t> </a:t>
+            </a:r>
+            <a:r>
+              <a:rPr lang="en-US" altLang="zh-CN" dirty="0" smtClean="0"/>
+              <a:t>   1. stop-the-world</a:t>
+            </a:r>
+          </a:p>
+          <a:p>
+            <a:r>
+              <a:rPr lang="en-US" altLang="zh-CN" dirty="0"/>
+              <a:t> </a:t>
+            </a:r>
+            <a:r>
+              <a:rPr lang="en-US" altLang="zh-CN" dirty="0" smtClean="0"/>
+              <a:t>   2. </a:t>
+            </a:r>
+            <a:r>
+              <a:rPr lang="zh-CN" altLang="en-US" dirty="0" smtClean="0"/>
+              <a:t>遍历变量的指针连接网络并标记分配的内存块。初始全部为</a:t>
+            </a:r>
+            <a:r>
+              <a:rPr lang="en-US" altLang="zh-CN" dirty="0" smtClean="0"/>
+              <a:t>white</a:t>
+            </a:r>
+            <a:r>
+              <a:rPr lang="zh-CN" altLang="en-US" dirty="0" smtClean="0"/>
+              <a:t>，每层根为</a:t>
+            </a:r>
+            <a:r>
+              <a:rPr lang="en-US" altLang="zh-CN" dirty="0" smtClean="0"/>
+              <a:t>black</a:t>
+            </a:r>
+            <a:r>
+              <a:rPr lang="zh-CN" altLang="en-US" dirty="0" smtClean="0"/>
+              <a:t>，子节点为</a:t>
+            </a:r>
+            <a:r>
+              <a:rPr lang="en-US" altLang="zh-CN" dirty="0" smtClean="0"/>
+              <a:t>grey</a:t>
+            </a:r>
+            <a:r>
+              <a:rPr lang="zh-CN" altLang="en-US" dirty="0" smtClean="0"/>
+              <a:t>，继续遍历</a:t>
+            </a:r>
+            <a:r>
+              <a:rPr lang="en-US" altLang="zh-CN" dirty="0" smtClean="0"/>
+              <a:t>grey</a:t>
+            </a:r>
+            <a:r>
+              <a:rPr lang="zh-CN" altLang="en-US" dirty="0" smtClean="0"/>
+              <a:t>。最后只剩</a:t>
+            </a:r>
+            <a:r>
+              <a:rPr lang="en-US" altLang="zh-CN" dirty="0" smtClean="0"/>
+              <a:t>black</a:t>
+            </a:r>
+            <a:r>
+              <a:rPr lang="zh-CN" altLang="en-US" dirty="0" smtClean="0"/>
+              <a:t>和</a:t>
+            </a:r>
+            <a:r>
+              <a:rPr lang="en-US" altLang="zh-CN" dirty="0" smtClean="0"/>
+              <a:t>white</a:t>
+            </a:r>
+            <a:r>
+              <a:rPr lang="zh-CN" altLang="en-US" dirty="0" smtClean="0"/>
+              <a:t>。</a:t>
+            </a:r>
+            <a:r>
+              <a:rPr lang="en-US" altLang="zh-CN" dirty="0"/>
+              <a:t>w</a:t>
+            </a:r>
+            <a:r>
+              <a:rPr lang="en-US" altLang="zh-CN" dirty="0" smtClean="0"/>
+              <a:t>hite</a:t>
+            </a:r>
+            <a:r>
+              <a:rPr lang="zh-CN" altLang="en-US" dirty="0" smtClean="0"/>
+              <a:t>即不可达的节点，即可回收。</a:t>
+            </a:r>
+            <a:endParaRPr lang="en-US" altLang="zh-CN" dirty="0" smtClean="0"/>
+          </a:p>
+          <a:p>
+            <a:r>
+              <a:rPr lang="en-US" altLang="zh-CN" dirty="0"/>
+              <a:t> </a:t>
+            </a:r>
+            <a:r>
+              <a:rPr lang="en-US" altLang="zh-CN" dirty="0" smtClean="0"/>
+              <a:t>   3. </a:t>
+            </a:r>
+            <a:r>
+              <a:rPr lang="zh-CN" altLang="en-US" dirty="0" smtClean="0"/>
+              <a:t>清理，回收</a:t>
+            </a:r>
+            <a:r>
+              <a:rPr lang="en-US" altLang="zh-CN" dirty="0" smtClean="0"/>
+              <a:t>white</a:t>
+            </a:r>
+            <a:r>
+              <a:rPr lang="zh-CN" altLang="en-US" dirty="0" smtClean="0"/>
+              <a:t>节点。</a:t>
+            </a:r>
+            <a:endParaRPr lang="en-US" altLang="zh-CN" dirty="0" smtClean="0"/>
+          </a:p>
+          <a:p>
+            <a:r>
+              <a:rPr lang="en-US" altLang="zh-CN" dirty="0"/>
+              <a:t> </a:t>
+            </a:r>
+            <a:r>
+              <a:rPr lang="en-US" altLang="zh-CN" dirty="0" smtClean="0"/>
+              <a:t>   4. start-the-world</a:t>
+            </a:r>
+            <a:endParaRPr lang="en-US" altLang="zh-CN" dirty="0"/>
+          </a:p>
+          <a:p>
+            <a:r>
+              <a:rPr lang="en-US" altLang="zh-CN" dirty="0" smtClean="0"/>
+              <a:t>    </a:t>
+            </a:r>
+            <a:r>
+              <a:rPr lang="zh-CN" altLang="en-US" dirty="0" smtClean="0"/>
+              <a:t>三色标记法的好处是，可以将扫描出的</a:t>
+            </a:r>
+            <a:r>
+              <a:rPr lang="en-US" altLang="zh-CN" dirty="0" smtClean="0"/>
+              <a:t>white</a:t>
+            </a:r>
+            <a:r>
+              <a:rPr lang="zh-CN" altLang="en-US" dirty="0" smtClean="0"/>
+              <a:t>节点慢慢回收，立即恢复业务执行，减少</a:t>
+            </a:r>
+            <a:r>
+              <a:rPr lang="en-US" altLang="zh-CN" dirty="0" err="1" smtClean="0"/>
+              <a:t>gc</a:t>
+            </a:r>
+            <a:r>
+              <a:rPr lang="zh-CN" altLang="en-US" dirty="0" smtClean="0"/>
+              <a:t>导致的系统</a:t>
+            </a:r>
+            <a:r>
+              <a:rPr lang="en-US" altLang="zh-CN" dirty="0" smtClean="0"/>
+              <a:t>delay</a:t>
+            </a:r>
+            <a:r>
+              <a:rPr lang="zh-CN" altLang="en-US" dirty="0"/>
+              <a:t>时间</a:t>
+            </a:r>
+            <a:r>
+              <a:rPr lang="zh-CN" altLang="en-US" dirty="0" smtClean="0"/>
+              <a:t>。</a:t>
+            </a:r>
+            <a:endParaRPr lang="en-US" altLang="zh-CN" dirty="0" smtClean="0"/>
+          </a:p>
+        </p:txBody>
+      </p:sp>
+    </p:spTree>
+    <p:extLst>
+      <p:ext uri="{BB962C8B-B14F-4D97-AF65-F5344CB8AC3E}">
+        <p14:creationId xmlns:p14="http://schemas.microsoft.com/office/powerpoint/2010/main" val="2810384850"/>
       </p:ext>
     </p:extLst>
   </p:cSld>
@@ -9915,11 +10045,7 @@
           <a:p>
             <a:r>
               <a:rPr lang="zh-CN" altLang="en-US" dirty="0" smtClean="0"/>
-              <a:t>最大时间复杂度：每次二分不均匀，</a:t>
-            </a:r>
-            <a:r>
-              <a:rPr lang="zh-CN" altLang="en-US" dirty="0" smtClean="0"/>
-              <a:t>比如</a:t>
+              <a:t>最大时间复杂度：每次二分不均匀，比如</a:t>
             </a:r>
             <a:r>
               <a:rPr lang="en-US" altLang="zh-CN" dirty="0" smtClean="0"/>
@@ -9931,11 +10057,7 @@
             </a:r>
             <a:r>
               <a:rPr lang="en-US" altLang="zh-CN" dirty="0" smtClean="0"/>
-              <a:t>n-1, </a:t>
-            </a:r>
-            <a:r>
-              <a:rPr lang="en-US" altLang="zh-CN" dirty="0" smtClean="0"/>
-              <a:t>O(n</a:t>
+              <a:t>n-1, O(n</a:t>
             </a:r>
             <a:r>
               <a:rPr lang="en-US" altLang="zh-CN" baseline="30000" dirty="0" smtClean="0"/>
@@ -9957,11 +10079,7 @@
             </a:r>
             <a:r>
               <a:rPr lang="en-US" altLang="zh-CN" dirty="0" smtClean="0"/>
-              <a:t>O(T</a:t>
-            </a:r>
-            <a:r>
-              <a:rPr lang="en-US" altLang="zh-CN" dirty="0" smtClean="0"/>
-              <a:t>) = 2*O(T/2) + n</a:t>
+              <a:t>O(T) = 2*O(T/2) + n</a:t>
             </a:r>
             <a:r>
               <a:rPr lang="zh-CN" altLang="en-US" dirty="0" smtClean="0"/>
@@ -10204,15 +10322,7 @@
           <a:p>
             <a:r>
               <a:rPr lang="en-US" altLang="zh-CN" dirty="0" smtClean="0"/>
-              <a:t>        if </a:t>
-            </a:r>
-            <a:r>
-              <a:rPr lang="en-US" altLang="zh-CN" dirty="0" smtClean="0"/>
-              <a:t>(i&lt;j) </a:t>
-            </a:r>
-            <a:r>
-              <a:rPr lang="en-US" altLang="zh-CN" dirty="0" smtClean="0"/>
-              <a:t>{</a:t>
+              <a:t>        if (i&lt;j) {</a:t>
             </a:r>
           </a:p>
           <a:p>
@@ -10304,15 +10414,7 @@
           <a:p>
             <a:r>
               <a:rPr lang="en-US" altLang="zh-CN" dirty="0" smtClean="0"/>
-              <a:t>        if </a:t>
-            </a:r>
-            <a:r>
-              <a:rPr lang="en-US" altLang="zh-CN" dirty="0" smtClean="0"/>
-              <a:t>(i&lt;j) </a:t>
-            </a:r>
-            <a:r>
-              <a:rPr lang="en-US" altLang="zh-CN" dirty="0" smtClean="0"/>
-              <a:t>{</a:t>
+              <a:t>        if (i&lt;j) {</a:t>
             </a:r>
           </a:p>
           <a:p>
@@ -10612,15 +10714,7 @@
             </a:r>
             <a:r>
               <a:rPr lang="zh-CN" altLang="en-US" dirty="0" smtClean="0"/>
-              <a:t>。副作用是子序列内部不保证有序</a:t>
-            </a:r>
-            <a:r>
-              <a:rPr lang="zh-CN" altLang="en-US" dirty="0" smtClean="0"/>
-              <a:t>。因为</a:t>
-            </a:r>
-            <a:r>
-              <a:rPr lang="zh-CN" altLang="en-US" dirty="0" smtClean="0"/>
-              <a:t>数组的关系，适合少量数据。还有最小堆法，额外存储</a:t>
+              <a:t>。副作用是子序列内部不保证有序。因为数组的关系，适合少量数据。还有最小堆法，额外存储</a:t>
             </a:r>
             <a:r>
               <a:rPr lang="en-US" altLang="zh-CN" dirty="0" smtClean="0"/>
@@ -10636,11 +10730,7 @@
             </a:r>
             <a:r>
               <a:rPr lang="zh-CN" altLang="en-US" dirty="0" smtClean="0"/>
-              <a:t>复杂</a:t>
-            </a:r>
-            <a:r>
-              <a:rPr lang="zh-CN" altLang="en-US" dirty="0" smtClean="0"/>
-              <a:t>度</a:t>
+              <a:t>复杂度</a:t>
             </a:r>
             <a:r>
               <a:rPr lang="en-US" altLang="zh-CN" dirty="0" err="1" smtClean="0"/>
@@ -10652,15 +10742,7 @@
             </a:r>
             <a:r>
               <a:rPr lang="zh-CN" altLang="en-US" dirty="0" smtClean="0"/>
-              <a:t>，适合海量</a:t>
-            </a:r>
-            <a:r>
-              <a:rPr lang="zh-CN" altLang="en-US" dirty="0" smtClean="0"/>
-              <a:t>数据</a:t>
-            </a:r>
-            <a:r>
-              <a:rPr lang="zh-CN" altLang="en-US" dirty="0" smtClean="0"/>
-              <a:t>。</a:t>
+              <a:t>，适合海量数据。</a:t>
             </a:r>
             <a:endParaRPr lang="en-US" altLang="zh-CN" dirty="0" smtClean="0"/>
           </a:p>
@@ -10934,21 +11016,8 @@
           <a:p>
             <a:r>
               <a:rPr lang="en-US" altLang="zh-CN" dirty="0" smtClean="0"/>
-              <a:t>        if </a:t>
-            </a:r>
-            <a:r>
-              <a:rPr lang="en-US" altLang="zh-CN" dirty="0" smtClean="0"/>
-              <a:t>(i&lt;j</a:t>
-            </a:r>
-            <a:r>
-              <a:rPr lang="en-US" altLang="zh-CN" dirty="0" smtClean="0"/>
-              <a:t>)</a:t>
-            </a:r>
-            <a:r>
-              <a:rPr lang="en-US" altLang="zh-CN" dirty="0" smtClean="0"/>
-              <a:t> {</a:t>
-            </a:r>
-            <a:endParaRPr lang="en-US" altLang="zh-CN" dirty="0" smtClean="0"/>
+              <a:t>        if (i&lt;j) {</a:t>
+            </a:r>
           </a:p>
           <a:p>
             <a:r>
@@ -11039,15 +11108,7 @@
           <a:p>
             <a:r>
               <a:rPr lang="en-US" altLang="zh-CN" dirty="0" smtClean="0"/>
-              <a:t>        if </a:t>
-            </a:r>
-            <a:r>
-              <a:rPr lang="en-US" altLang="zh-CN" dirty="0" smtClean="0"/>
-              <a:t>(i&lt;j) </a:t>
-            </a:r>
-            <a:r>
-              <a:rPr lang="en-US" altLang="zh-CN" dirty="0" smtClean="0"/>
-              <a:t>{</a:t>
+              <a:t>        if (i&lt;j) {</a:t>
             </a:r>
           </a:p>
           <a:p>
@@ -11087,15 +11148,7 @@
           <a:p>
             <a:r>
               <a:rPr lang="en-US" altLang="zh-CN" dirty="0" smtClean="0"/>
-              <a:t>    } // while i </a:t>
-            </a:r>
-            <a:r>
-              <a:rPr lang="en-US" altLang="zh-CN" dirty="0" smtClean="0"/>
-              <a:t>&lt; </a:t>
-            </a:r>
-            <a:r>
-              <a:rPr lang="en-US" altLang="zh-CN" dirty="0" smtClean="0"/>
-              <a:t>j</a:t>
+              <a:t>    } // while i &lt; j</a:t>
             </a:r>
           </a:p>
           <a:p>
@@ -11523,23 +11576,7 @@
             </a:r>
             <a:r>
               <a:rPr lang="en-US" altLang="zh-CN" dirty="0" smtClean="0"/>
-              <a:t> i =</a:t>
-            </a:r>
-            <a:r>
-              <a:rPr lang="en-US" altLang="zh-CN" dirty="0" smtClean="0"/>
-              <a:t>n-1; </a:t>
-            </a:r>
-            <a:r>
-              <a:rPr lang="en-US" altLang="zh-CN" dirty="0" smtClean="0"/>
-              <a:t>i</a:t>
-            </a:r>
-            <a:r>
-              <a:rPr lang="en-US" altLang="zh-CN" dirty="0" smtClean="0"/>
-              <a:t>&gt;=0;i-</a:t>
-            </a:r>
-            <a:r>
-              <a:rPr lang="en-US" altLang="zh-CN" dirty="0" smtClean="0"/>
-              <a:t>-) {</a:t>
+              <a:t> i =n-1; i&gt;=0;i--) {</a:t>
             </a:r>
           </a:p>
           <a:p>
@@ -11593,7 +11630,6 @@
               <a:rPr lang="en-US" altLang="zh-CN" dirty="0" smtClean="0"/>
               <a:t>[i];</a:t>
             </a:r>
-            <a:endParaRPr lang="en-US" altLang="zh-CN" dirty="0" smtClean="0"/>
           </a:p>
           <a:p>
             <a:r>
@@ -11610,11 +11646,7 @@
             </a:r>
             <a:r>
               <a:rPr lang="en-US" altLang="zh-CN" dirty="0" smtClean="0"/>
-              <a:t>[i] </a:t>
-            </a:r>
-            <a:r>
-              <a:rPr lang="en-US" altLang="zh-CN" dirty="0" smtClean="0"/>
-              <a:t>= </a:t>
+              <a:t>[i] = </a:t>
             </a:r>
             <a:r>
               <a:rPr lang="en-US" altLang="zh-CN" dirty="0" err="1" smtClean="0"/>
@@ -11673,13 +11705,8 @@
             </a:r>
             <a:r>
               <a:rPr lang="en-US" altLang="zh-CN" dirty="0" smtClean="0"/>
-              <a:t>, 0, </a:t>
-            </a:r>
-            <a:r>
-              <a:rPr lang="en-US" altLang="zh-CN" dirty="0" smtClean="0"/>
-              <a:t>i);   </a:t>
-            </a:r>
-            <a:endParaRPr lang="en-US" altLang="zh-CN" dirty="0" smtClean="0"/>
+              <a:t>, 0, i);   </a:t>
+            </a:r>
           </a:p>
           <a:p>
             <a:r>

--- a/algos_summary.pptx
+++ b/algos_summary.pptx
@@ -313,7 +313,7 @@
           <a:p>
             <a:fld id="{530820CF-B880-4189-942D-D702A7CBA730}" type="datetimeFigureOut">
               <a:rPr lang="zh-CN" altLang="en-US" smtClean="0"/>
-              <a:t>2018/2/1</a:t>
+              <a:t>2018/2/7</a:t>
             </a:fld>
             <a:endParaRPr lang="zh-CN" altLang="en-US"/>
           </a:p>
@@ -478,7 +478,7 @@
           <a:p>
             <a:fld id="{530820CF-B880-4189-942D-D702A7CBA730}" type="datetimeFigureOut">
               <a:rPr lang="zh-CN" altLang="en-US" smtClean="0"/>
-              <a:t>2018/2/1</a:t>
+              <a:t>2018/2/7</a:t>
             </a:fld>
             <a:endParaRPr lang="zh-CN" altLang="en-US"/>
           </a:p>
@@ -653,7 +653,7 @@
           <a:p>
             <a:fld id="{530820CF-B880-4189-942D-D702A7CBA730}" type="datetimeFigureOut">
               <a:rPr lang="zh-CN" altLang="en-US" smtClean="0"/>
-              <a:t>2018/2/1</a:t>
+              <a:t>2018/2/7</a:t>
             </a:fld>
             <a:endParaRPr lang="zh-CN" altLang="en-US"/>
           </a:p>
@@ -818,7 +818,7 @@
           <a:p>
             <a:fld id="{530820CF-B880-4189-942D-D702A7CBA730}" type="datetimeFigureOut">
               <a:rPr lang="zh-CN" altLang="en-US" smtClean="0"/>
-              <a:t>2018/2/1</a:t>
+              <a:t>2018/2/7</a:t>
             </a:fld>
             <a:endParaRPr lang="zh-CN" altLang="en-US"/>
           </a:p>
@@ -1059,7 +1059,7 @@
           <a:p>
             <a:fld id="{530820CF-B880-4189-942D-D702A7CBA730}" type="datetimeFigureOut">
               <a:rPr lang="zh-CN" altLang="en-US" smtClean="0"/>
-              <a:t>2018/2/1</a:t>
+              <a:t>2018/2/7</a:t>
             </a:fld>
             <a:endParaRPr lang="zh-CN" altLang="en-US"/>
           </a:p>
@@ -1342,7 +1342,7 @@
           <a:p>
             <a:fld id="{530820CF-B880-4189-942D-D702A7CBA730}" type="datetimeFigureOut">
               <a:rPr lang="zh-CN" altLang="en-US" smtClean="0"/>
-              <a:t>2018/2/1</a:t>
+              <a:t>2018/2/7</a:t>
             </a:fld>
             <a:endParaRPr lang="zh-CN" altLang="en-US"/>
           </a:p>
@@ -1759,7 +1759,7 @@
           <a:p>
             <a:fld id="{530820CF-B880-4189-942D-D702A7CBA730}" type="datetimeFigureOut">
               <a:rPr lang="zh-CN" altLang="en-US" smtClean="0"/>
-              <a:t>2018/2/1</a:t>
+              <a:t>2018/2/7</a:t>
             </a:fld>
             <a:endParaRPr lang="zh-CN" altLang="en-US"/>
           </a:p>
@@ -1872,7 +1872,7 @@
           <a:p>
             <a:fld id="{530820CF-B880-4189-942D-D702A7CBA730}" type="datetimeFigureOut">
               <a:rPr lang="zh-CN" altLang="en-US" smtClean="0"/>
-              <a:t>2018/2/1</a:t>
+              <a:t>2018/2/7</a:t>
             </a:fld>
             <a:endParaRPr lang="zh-CN" altLang="en-US"/>
           </a:p>
@@ -1962,7 +1962,7 @@
           <a:p>
             <a:fld id="{530820CF-B880-4189-942D-D702A7CBA730}" type="datetimeFigureOut">
               <a:rPr lang="zh-CN" altLang="en-US" smtClean="0"/>
-              <a:t>2018/2/1</a:t>
+              <a:t>2018/2/7</a:t>
             </a:fld>
             <a:endParaRPr lang="zh-CN" altLang="en-US"/>
           </a:p>
@@ -2234,7 +2234,7 @@
           <a:p>
             <a:fld id="{530820CF-B880-4189-942D-D702A7CBA730}" type="datetimeFigureOut">
               <a:rPr lang="zh-CN" altLang="en-US" smtClean="0"/>
-              <a:t>2018/2/1</a:t>
+              <a:t>2018/2/7</a:t>
             </a:fld>
             <a:endParaRPr lang="zh-CN" altLang="en-US"/>
           </a:p>
@@ -2482,7 +2482,7 @@
           <a:p>
             <a:fld id="{530820CF-B880-4189-942D-D702A7CBA730}" type="datetimeFigureOut">
               <a:rPr lang="zh-CN" altLang="en-US" smtClean="0"/>
-              <a:t>2018/2/1</a:t>
+              <a:t>2018/2/7</a:t>
             </a:fld>
             <a:endParaRPr lang="zh-CN" altLang="en-US"/>
           </a:p>
@@ -2690,7 +2690,7 @@
           <a:p>
             <a:fld id="{530820CF-B880-4189-942D-D702A7CBA730}" type="datetimeFigureOut">
               <a:rPr lang="zh-CN" altLang="en-US" smtClean="0"/>
-              <a:t>2018/2/1</a:t>
+              <a:t>2018/2/7</a:t>
             </a:fld>
             <a:endParaRPr lang="zh-CN" altLang="en-US"/>
           </a:p>
@@ -8602,17 +8602,12 @@
           <a:p>
             <a:r>
               <a:rPr lang="en-US" altLang="zh-CN" sz="2000" dirty="0" smtClean="0"/>
-              <a:t>15 </a:t>
-            </a:r>
-            <a:r>
-              <a:rPr lang="en-US" altLang="zh-CN" sz="2000" dirty="0" smtClean="0"/>
-              <a:t>NAT</a:t>
+              <a:t>15 NAT</a:t>
             </a:r>
             <a:r>
               <a:rPr lang="zh-CN" altLang="en-US" sz="2000" dirty="0"/>
               <a:t>打洞</a:t>
             </a:r>
-            <a:endParaRPr lang="zh-CN" altLang="en-US" sz="2000" dirty="0"/>
           </a:p>
         </p:txBody>
       </p:sp>
@@ -8648,59 +8643,31 @@
             </a:r>
             <a:r>
               <a:rPr lang="en-US" altLang="zh-CN" dirty="0" smtClean="0"/>
-              <a:t>a</a:t>
-            </a:r>
-            <a:r>
-              <a:rPr lang="en-US" altLang="zh-CN" dirty="0" smtClean="0"/>
-              <a:t>) </a:t>
-            </a:r>
-            <a:r>
-              <a:rPr lang="zh-CN" altLang="en-US" dirty="0" smtClean="0"/>
-              <a:t>全锥</a:t>
-            </a:r>
-            <a:r>
-              <a:rPr lang="zh-CN" altLang="en-US" dirty="0" smtClean="0"/>
-              <a:t>型 </a:t>
-            </a:r>
-            <a:r>
-              <a:rPr lang="en-US" altLang="zh-CN" dirty="0" smtClean="0"/>
-              <a:t>b</a:t>
-            </a:r>
-            <a:r>
-              <a:rPr lang="en-US" altLang="zh-CN" dirty="0" smtClean="0"/>
-              <a:t>) </a:t>
-            </a:r>
-            <a:r>
-              <a:rPr lang="zh-CN" altLang="en-US" dirty="0" smtClean="0"/>
-              <a:t>受限锥</a:t>
-            </a:r>
-            <a:r>
-              <a:rPr lang="zh-CN" altLang="en-US" dirty="0" smtClean="0"/>
-              <a:t>型 </a:t>
-            </a:r>
-            <a:r>
-              <a:rPr lang="en-US" altLang="zh-CN" dirty="0" smtClean="0"/>
-              <a:t>c</a:t>
-            </a:r>
-            <a:r>
-              <a:rPr lang="en-US" altLang="zh-CN" dirty="0" smtClean="0"/>
-              <a:t>) </a:t>
-            </a:r>
-            <a:r>
-              <a:rPr lang="zh-CN" altLang="en-US" dirty="0" smtClean="0"/>
-              <a:t>端口受限锥</a:t>
-            </a:r>
-            <a:r>
-              <a:rPr lang="zh-CN" altLang="en-US" dirty="0" smtClean="0"/>
-              <a:t>型 </a:t>
-            </a:r>
-            <a:r>
-              <a:rPr lang="en-US" altLang="zh-CN" dirty="0" smtClean="0"/>
-              <a:t>d</a:t>
-            </a:r>
-            <a:r>
-              <a:rPr lang="en-US" altLang="zh-CN" dirty="0" smtClean="0"/>
-              <a:t>) </a:t>
+              <a:t>a) </a:t>
+            </a:r>
+            <a:r>
+              <a:rPr lang="zh-CN" altLang="en-US" dirty="0" smtClean="0"/>
+              <a:t>全锥型 </a:t>
+            </a:r>
+            <a:r>
+              <a:rPr lang="en-US" altLang="zh-CN" dirty="0" smtClean="0"/>
+              <a:t>b) </a:t>
+            </a:r>
+            <a:r>
+              <a:rPr lang="zh-CN" altLang="en-US" dirty="0" smtClean="0"/>
+              <a:t>受限锥型 </a:t>
+            </a:r>
+            <a:r>
+              <a:rPr lang="en-US" altLang="zh-CN" dirty="0" smtClean="0"/>
+              <a:t>c) </a:t>
+            </a:r>
+            <a:r>
+              <a:rPr lang="zh-CN" altLang="en-US" dirty="0" smtClean="0"/>
+              <a:t>端口受限锥型 </a:t>
+            </a:r>
+            <a:r>
+              <a:rPr lang="en-US" altLang="zh-CN" dirty="0" smtClean="0"/>
+              <a:t>d) </a:t>
             </a:r>
             <a:r>
               <a:rPr lang="zh-CN" altLang="en-US" dirty="0" smtClean="0"/>
@@ -8719,11 +8686,7 @@
             </a:r>
             <a:r>
               <a:rPr lang="zh-CN" altLang="en-US" dirty="0" smtClean="0"/>
-              <a:t>不能打动成功的情况是端口受限锥型、对称型与对称型相互打洞</a:t>
-            </a:r>
-            <a:r>
-              <a:rPr lang="zh-CN" altLang="en-US" dirty="0" smtClean="0"/>
-              <a:t>。如下图：</a:t>
+              <a:t>不能打动成功的情况是端口受限锥型、对称型与对称型相互打洞。如下图：</a:t>
             </a:r>
             <a:endParaRPr lang="en-US" altLang="zh-CN" dirty="0" smtClean="0"/>
           </a:p>
@@ -11732,7 +11695,7 @@
         <p:spPr>
           <a:xfrm>
             <a:off x="4499992" y="2204864"/>
-            <a:ext cx="4104456" cy="3970318"/>
+            <a:ext cx="4104456" cy="4247317"/>
           </a:xfrm>
           <a:prstGeom prst="rect">
             <a:avLst/>
@@ -11746,12 +11709,19 @@
           <a:lstStyle/>
           <a:p>
             <a:r>
-              <a:rPr lang="en-US" altLang="zh-CN" dirty="0"/>
-              <a:t>v</a:t>
-            </a:r>
-            <a:r>
-              <a:rPr lang="en-US" altLang="zh-CN" dirty="0" smtClean="0"/>
-              <a:t>oid </a:t>
+              <a:rPr lang="en-US" altLang="zh-CN" dirty="0" smtClean="0"/>
+              <a:t>// </a:t>
+            </a:r>
+            <a:r>
+              <a:rPr lang="zh-CN" altLang="en-US" dirty="0" smtClean="0"/>
+              <a:t>最大堆</a:t>
+            </a:r>
+            <a:endParaRPr lang="en-US" altLang="zh-CN" dirty="0" smtClean="0"/>
+          </a:p>
+          <a:p>
+            <a:r>
+              <a:rPr lang="en-US" altLang="zh-CN" dirty="0" smtClean="0"/>
+              <a:t>void </a:t>
             </a:r>
             <a:r>
               <a:rPr lang="en-US" altLang="zh-CN" dirty="0" err="1" smtClean="0"/>
@@ -11932,7 +11902,15 @@
             </a:r>
             <a:r>
               <a:rPr lang="en-US" altLang="zh-CN" dirty="0" smtClean="0"/>
-              <a:t> &lt;= </a:t>
+              <a:t> </a:t>
+            </a:r>
+            <a:r>
+              <a:rPr lang="en-US" altLang="zh-CN" dirty="0"/>
+              <a:t>&gt;</a:t>
+            </a:r>
+            <a:r>
+              <a:rPr lang="en-US" altLang="zh-CN" dirty="0" smtClean="0"/>
+              <a:t>= </a:t>
             </a:r>
             <a:r>
               <a:rPr lang="en-US" altLang="zh-CN" dirty="0" err="1" smtClean="0"/>

--- a/algos_summary.pptx
+++ b/algos_summary.pptx
@@ -313,7 +313,7 @@
           <a:p>
             <a:fld id="{530820CF-B880-4189-942D-D702A7CBA730}" type="datetimeFigureOut">
               <a:rPr lang="zh-CN" altLang="en-US" smtClean="0"/>
-              <a:t>2018/2/7</a:t>
+              <a:t>2018/2/27</a:t>
             </a:fld>
             <a:endParaRPr lang="zh-CN" altLang="en-US"/>
           </a:p>
@@ -478,7 +478,7 @@
           <a:p>
             <a:fld id="{530820CF-B880-4189-942D-D702A7CBA730}" type="datetimeFigureOut">
               <a:rPr lang="zh-CN" altLang="en-US" smtClean="0"/>
-              <a:t>2018/2/7</a:t>
+              <a:t>2018/2/27</a:t>
             </a:fld>
             <a:endParaRPr lang="zh-CN" altLang="en-US"/>
           </a:p>
@@ -653,7 +653,7 @@
           <a:p>
             <a:fld id="{530820CF-B880-4189-942D-D702A7CBA730}" type="datetimeFigureOut">
               <a:rPr lang="zh-CN" altLang="en-US" smtClean="0"/>
-              <a:t>2018/2/7</a:t>
+              <a:t>2018/2/27</a:t>
             </a:fld>
             <a:endParaRPr lang="zh-CN" altLang="en-US"/>
           </a:p>
@@ -818,7 +818,7 @@
           <a:p>
             <a:fld id="{530820CF-B880-4189-942D-D702A7CBA730}" type="datetimeFigureOut">
               <a:rPr lang="zh-CN" altLang="en-US" smtClean="0"/>
-              <a:t>2018/2/7</a:t>
+              <a:t>2018/2/27</a:t>
             </a:fld>
             <a:endParaRPr lang="zh-CN" altLang="en-US"/>
           </a:p>
@@ -1059,7 +1059,7 @@
           <a:p>
             <a:fld id="{530820CF-B880-4189-942D-D702A7CBA730}" type="datetimeFigureOut">
               <a:rPr lang="zh-CN" altLang="en-US" smtClean="0"/>
-              <a:t>2018/2/7</a:t>
+              <a:t>2018/2/27</a:t>
             </a:fld>
             <a:endParaRPr lang="zh-CN" altLang="en-US"/>
           </a:p>
@@ -1342,7 +1342,7 @@
           <a:p>
             <a:fld id="{530820CF-B880-4189-942D-D702A7CBA730}" type="datetimeFigureOut">
               <a:rPr lang="zh-CN" altLang="en-US" smtClean="0"/>
-              <a:t>2018/2/7</a:t>
+              <a:t>2018/2/27</a:t>
             </a:fld>
             <a:endParaRPr lang="zh-CN" altLang="en-US"/>
           </a:p>
@@ -1759,7 +1759,7 @@
           <a:p>
             <a:fld id="{530820CF-B880-4189-942D-D702A7CBA730}" type="datetimeFigureOut">
               <a:rPr lang="zh-CN" altLang="en-US" smtClean="0"/>
-              <a:t>2018/2/7</a:t>
+              <a:t>2018/2/27</a:t>
             </a:fld>
             <a:endParaRPr lang="zh-CN" altLang="en-US"/>
           </a:p>
@@ -1872,7 +1872,7 @@
           <a:p>
             <a:fld id="{530820CF-B880-4189-942D-D702A7CBA730}" type="datetimeFigureOut">
               <a:rPr lang="zh-CN" altLang="en-US" smtClean="0"/>
-              <a:t>2018/2/7</a:t>
+              <a:t>2018/2/27</a:t>
             </a:fld>
             <a:endParaRPr lang="zh-CN" altLang="en-US"/>
           </a:p>
@@ -1962,7 +1962,7 @@
           <a:p>
             <a:fld id="{530820CF-B880-4189-942D-D702A7CBA730}" type="datetimeFigureOut">
               <a:rPr lang="zh-CN" altLang="en-US" smtClean="0"/>
-              <a:t>2018/2/7</a:t>
+              <a:t>2018/2/27</a:t>
             </a:fld>
             <a:endParaRPr lang="zh-CN" altLang="en-US"/>
           </a:p>
@@ -2234,7 +2234,7 @@
           <a:p>
             <a:fld id="{530820CF-B880-4189-942D-D702A7CBA730}" type="datetimeFigureOut">
               <a:rPr lang="zh-CN" altLang="en-US" smtClean="0"/>
-              <a:t>2018/2/7</a:t>
+              <a:t>2018/2/27</a:t>
             </a:fld>
             <a:endParaRPr lang="zh-CN" altLang="en-US"/>
           </a:p>
@@ -2482,7 +2482,7 @@
           <a:p>
             <a:fld id="{530820CF-B880-4189-942D-D702A7CBA730}" type="datetimeFigureOut">
               <a:rPr lang="zh-CN" altLang="en-US" smtClean="0"/>
-              <a:t>2018/2/7</a:t>
+              <a:t>2018/2/27</a:t>
             </a:fld>
             <a:endParaRPr lang="zh-CN" altLang="en-US"/>
           </a:p>
@@ -2690,7 +2690,7 @@
           <a:p>
             <a:fld id="{530820CF-B880-4189-942D-D702A7CBA730}" type="datetimeFigureOut">
               <a:rPr lang="zh-CN" altLang="en-US" smtClean="0"/>
-              <a:t>2018/2/7</a:t>
+              <a:t>2018/2/27</a:t>
             </a:fld>
             <a:endParaRPr lang="zh-CN" altLang="en-US"/>
           </a:p>
@@ -6889,8 +6889,16 @@
           <a:lstStyle/>
           <a:p>
             <a:r>
-              <a:rPr lang="zh-CN" altLang="en-US" dirty="0" smtClean="0"/>
-              <a:t>非递归：</a:t>
+              <a:rPr lang="zh-CN" altLang="en-US" dirty="0"/>
+              <a:t>不</a:t>
+            </a:r>
+            <a:r>
+              <a:rPr lang="zh-CN" altLang="en-US" dirty="0" smtClean="0"/>
+              <a:t>允许重复</a:t>
+            </a:r>
+            <a:r>
+              <a:rPr lang="zh-CN" altLang="en-US" dirty="0" smtClean="0"/>
+              <a:t>：</a:t>
             </a:r>
             <a:endParaRPr lang="en-US" altLang="zh-CN" dirty="0" smtClean="0"/>
           </a:p>
@@ -7104,14 +7112,14 @@
       </p:sp>
       <p:sp>
         <p:nvSpPr>
-          <p:cNvPr id="9" name="TextBox 8"/>
+          <p:cNvPr id="5" name="TextBox 4"/>
           <p:cNvSpPr txBox="1"/>
           <p:nvPr/>
         </p:nvSpPr>
         <p:spPr>
           <a:xfrm>
-            <a:off x="4211960" y="1124744"/>
-            <a:ext cx="4680520" cy="4247317"/>
+            <a:off x="4067944" y="1124744"/>
+            <a:ext cx="3672408" cy="4801314"/>
           </a:xfrm>
           <a:prstGeom prst="rect">
             <a:avLst/>
@@ -7126,7 +7134,11 @@
           <a:p>
             <a:r>
               <a:rPr lang="zh-CN" altLang="en-US" dirty="0" smtClean="0"/>
-              <a:t>递归：</a:t>
+              <a:t>允许重复</a:t>
+            </a:r>
+            <a:r>
+              <a:rPr lang="zh-CN" altLang="en-US" dirty="0" smtClean="0"/>
+              <a:t>：</a:t>
             </a:r>
             <a:endParaRPr lang="en-US" altLang="zh-CN" dirty="0" smtClean="0"/>
           </a:p>
@@ -7173,7 +7185,7 @@
             </a:r>
             <a:r>
               <a:rPr lang="en-US" altLang="zh-CN" dirty="0" smtClean="0"/>
-              <a:t> start, </a:t>
+              <a:t> n, </a:t>
             </a:r>
             <a:r>
               <a:rPr lang="en-US" altLang="zh-CN" dirty="0" err="1" smtClean="0"/>
@@ -7181,7 +7193,17 @@
             </a:r>
             <a:r>
               <a:rPr lang="en-US" altLang="zh-CN" dirty="0" smtClean="0"/>
-              <a:t> end, </a:t>
+              <a:t> key) {</a:t>
+            </a:r>
+          </a:p>
+          <a:p>
+            <a:r>
+              <a:rPr lang="en-US" altLang="zh-CN" dirty="0"/>
+              <a:t> </a:t>
+            </a:r>
+            <a:r>
+              <a:rPr lang="en-US" altLang="zh-CN" dirty="0" smtClean="0"/>
+              <a:t>   </a:t>
             </a:r>
             <a:r>
               <a:rPr lang="en-US" altLang="zh-CN" dirty="0" err="1" smtClean="0"/>
@@ -7189,15 +7211,27 @@
             </a:r>
             <a:r>
               <a:rPr lang="en-US" altLang="zh-CN" dirty="0" smtClean="0"/>
-              <a:t> key) {</a:t>
-            </a:r>
-          </a:p>
-          <a:p>
-            <a:r>
-              <a:rPr lang="en-US" altLang="zh-CN" dirty="0"/>
               <a:t> </a:t>
             </a:r>
             <a:r>
+              <a:rPr lang="en-US" altLang="zh-CN" dirty="0"/>
+              <a:t>start</a:t>
+            </a:r>
+            <a:r>
+              <a:rPr lang="en-US" altLang="zh-CN" dirty="0" smtClean="0"/>
+              <a:t> </a:t>
+            </a:r>
+            <a:r>
+              <a:rPr lang="en-US" altLang="zh-CN" dirty="0" smtClean="0"/>
+              <a:t>= 0;</a:t>
+            </a:r>
+          </a:p>
+          <a:p>
+            <a:r>
+              <a:rPr lang="en-US" altLang="zh-CN" dirty="0"/>
+              <a:t> </a:t>
+            </a:r>
+            <a:r>
               <a:rPr lang="en-US" altLang="zh-CN" dirty="0" smtClean="0"/>
               <a:t>   </a:t>
             </a:r>
@@ -7207,6 +7241,70 @@
             </a:r>
             <a:r>
               <a:rPr lang="en-US" altLang="zh-CN" dirty="0" smtClean="0"/>
+              <a:t> end = n-1;</a:t>
+            </a:r>
+          </a:p>
+          <a:p>
+            <a:r>
+              <a:rPr lang="en-US" altLang="zh-CN" dirty="0"/>
+              <a:t> </a:t>
+            </a:r>
+            <a:r>
+              <a:rPr lang="en-US" altLang="zh-CN" dirty="0" smtClean="0"/>
+              <a:t>   while(</a:t>
+            </a:r>
+            <a:r>
+              <a:rPr lang="en-US" altLang="zh-CN" dirty="0" smtClean="0">
+                <a:solidFill>
+                  <a:srgbClr val="FF0000"/>
+                </a:solidFill>
+              </a:rPr>
+              <a:t>start </a:t>
+            </a:r>
+            <a:r>
+              <a:rPr lang="en-US" altLang="zh-CN" b="1" dirty="0" smtClean="0">
+                <a:solidFill>
+                  <a:srgbClr val="FF0000"/>
+                </a:solidFill>
+              </a:rPr>
+              <a:t>&lt;</a:t>
+            </a:r>
+            <a:r>
+              <a:rPr lang="en-US" altLang="zh-CN" dirty="0" smtClean="0">
+                <a:solidFill>
+                  <a:srgbClr val="FF0000"/>
+                </a:solidFill>
+              </a:rPr>
+              <a:t> </a:t>
+            </a:r>
+            <a:r>
+              <a:rPr lang="en-US" altLang="zh-CN" dirty="0" smtClean="0">
+                <a:solidFill>
+                  <a:srgbClr val="FF0000"/>
+                </a:solidFill>
+              </a:rPr>
+              <a:t>end</a:t>
+            </a:r>
+            <a:r>
+              <a:rPr lang="en-US" altLang="zh-CN" dirty="0" smtClean="0"/>
+              <a:t>) {</a:t>
+            </a:r>
+          </a:p>
+          <a:p>
+            <a:r>
+              <a:rPr lang="en-US" altLang="zh-CN" dirty="0"/>
+              <a:t> </a:t>
+            </a:r>
+            <a:r>
+              <a:rPr lang="en-US" altLang="zh-CN" dirty="0" smtClean="0"/>
+              <a:t>       </a:t>
+            </a:r>
+            <a:r>
+              <a:rPr lang="en-US" altLang="zh-CN" dirty="0" err="1" smtClean="0"/>
+              <a:t>int</a:t>
+            </a:r>
+            <a:r>
+              <a:rPr lang="en-US" altLang="zh-CN" dirty="0" smtClean="0"/>
               <a:t> mid = (end - start)/2 + start;</a:t>
             </a:r>
           </a:p>
@@ -7217,15 +7315,55 @@
             </a:r>
             <a:r>
               <a:rPr lang="en-US" altLang="zh-CN" dirty="0" smtClean="0"/>
-              <a:t>   if (</a:t>
-            </a:r>
-            <a:r>
-              <a:rPr lang="en-US" altLang="zh-CN" dirty="0" err="1" smtClean="0"/>
+              <a:t>       if </a:t>
+            </a:r>
+            <a:r>
+              <a:rPr lang="en-US" altLang="zh-CN" dirty="0"/>
+              <a:t>(</a:t>
+            </a:r>
+            <a:r>
+              <a:rPr lang="en-US" altLang="zh-CN" dirty="0" err="1"/>
               <a:t>arr</a:t>
             </a:r>
             <a:r>
-              <a:rPr lang="en-US" altLang="zh-CN" dirty="0" smtClean="0"/>
-              <a:t>[mid] == key) </a:t>
+              <a:rPr lang="en-US" altLang="zh-CN" dirty="0"/>
+              <a:t>[mid] &lt; key)</a:t>
+            </a:r>
+          </a:p>
+          <a:p>
+            <a:r>
+              <a:rPr lang="en-US" altLang="zh-CN" dirty="0"/>
+              <a:t>            start = mid + 1;</a:t>
+            </a:r>
+          </a:p>
+          <a:p>
+            <a:r>
+              <a:rPr lang="en-US" altLang="zh-CN" dirty="0" smtClean="0"/>
+              <a:t>        </a:t>
+            </a:r>
+            <a:r>
+              <a:rPr lang="en-US" altLang="zh-CN" dirty="0"/>
+              <a:t>else if (</a:t>
+            </a:r>
+            <a:r>
+              <a:rPr lang="en-US" altLang="zh-CN" dirty="0" err="1"/>
+              <a:t>arr</a:t>
+            </a:r>
+            <a:r>
+              <a:rPr lang="en-US" altLang="zh-CN" dirty="0"/>
+              <a:t>[mid] &gt; key) </a:t>
+            </a:r>
+          </a:p>
+          <a:p>
+            <a:r>
+              <a:rPr lang="en-US" altLang="zh-CN" dirty="0"/>
+              <a:t>            end = mid - 1;</a:t>
+            </a:r>
+          </a:p>
+          <a:p>
+            <a:r>
+              <a:rPr lang="en-US" altLang="zh-CN" dirty="0" smtClean="0"/>
+              <a:t>        else</a:t>
             </a:r>
           </a:p>
           <a:p>
@@ -7235,155 +7373,73 @@
             </a:r>
             <a:r>
               <a:rPr lang="en-US" altLang="zh-CN" dirty="0" smtClean="0"/>
-              <a:t>       return mid;// return </a:t>
-            </a:r>
-            <a:r>
-              <a:rPr lang="en-US" altLang="zh-CN" dirty="0" err="1" smtClean="0"/>
-              <a:t>bin_search</a:t>
-            </a:r>
-            <a:r>
-              <a:rPr lang="en-US" altLang="zh-CN" dirty="0" smtClean="0"/>
-              <a:t>(</a:t>
-            </a:r>
-            <a:r>
-              <a:rPr lang="en-US" altLang="zh-CN" dirty="0" err="1" smtClean="0"/>
+              <a:t>           </a:t>
+            </a:r>
+            <a:r>
+              <a:rPr lang="en-US" altLang="zh-CN" dirty="0" smtClean="0"/>
+              <a:t>end </a:t>
+            </a:r>
+            <a:r>
+              <a:rPr lang="en-US" altLang="zh-CN" dirty="0" smtClean="0"/>
+              <a:t>= mid;</a:t>
+            </a:r>
+            <a:endParaRPr lang="en-US" altLang="zh-CN" dirty="0"/>
+          </a:p>
+          <a:p>
+            <a:r>
+              <a:rPr lang="en-US" altLang="zh-CN" dirty="0" smtClean="0"/>
+              <a:t>    </a:t>
+            </a:r>
+            <a:r>
+              <a:rPr lang="en-US" altLang="zh-CN" dirty="0" smtClean="0"/>
+              <a:t>}</a:t>
+            </a:r>
+          </a:p>
+          <a:p>
+            <a:r>
+              <a:rPr lang="en-US" altLang="zh-CN" dirty="0"/>
+              <a:t> </a:t>
+            </a:r>
+            <a:r>
+              <a:rPr lang="en-US" altLang="zh-CN" dirty="0" smtClean="0"/>
+              <a:t>   </a:t>
+            </a:r>
+            <a:r>
+              <a:rPr lang="en-US" altLang="zh-CN" dirty="0" smtClean="0">
+                <a:solidFill>
+                  <a:srgbClr val="FF0000"/>
+                </a:solidFill>
+              </a:rPr>
+              <a:t>if (</a:t>
+            </a:r>
+            <a:r>
+              <a:rPr lang="en-US" altLang="zh-CN" dirty="0" err="1" smtClean="0">
+                <a:solidFill>
+                  <a:srgbClr val="FF0000"/>
+                </a:solidFill>
+              </a:rPr>
               <a:t>arr</a:t>
             </a:r>
             <a:r>
-              <a:rPr lang="en-US" altLang="zh-CN" dirty="0" smtClean="0"/>
-              <a:t>, start, mid, key);</a:t>
-            </a:r>
-          </a:p>
-          <a:p>
-            <a:endParaRPr lang="en-US" altLang="zh-CN" dirty="0" smtClean="0"/>
-          </a:p>
-          <a:p>
-            <a:r>
-              <a:rPr lang="en-US" altLang="zh-CN" dirty="0"/>
-              <a:t> </a:t>
-            </a:r>
-            <a:r>
-              <a:rPr lang="en-US" altLang="zh-CN" dirty="0" smtClean="0"/>
-              <a:t>   if (start &gt;= end) </a:t>
-            </a:r>
-          </a:p>
-          <a:p>
-            <a:r>
-              <a:rPr lang="en-US" altLang="zh-CN" dirty="0"/>
-              <a:t> </a:t>
-            </a:r>
-            <a:r>
-              <a:rPr lang="en-US" altLang="zh-CN" dirty="0" smtClean="0"/>
-              <a:t>       return -1;</a:t>
-            </a:r>
-          </a:p>
-          <a:p>
-            <a:r>
-              <a:rPr lang="en-US" altLang="zh-CN" dirty="0"/>
-              <a:t> </a:t>
-            </a:r>
-            <a:r>
-              <a:rPr lang="en-US" altLang="zh-CN" dirty="0" smtClean="0"/>
-              <a:t>   if (</a:t>
-            </a:r>
-            <a:r>
-              <a:rPr lang="en-US" altLang="zh-CN" dirty="0" err="1" smtClean="0"/>
-              <a:t>arr</a:t>
-            </a:r>
-            <a:r>
-              <a:rPr lang="en-US" altLang="zh-CN" dirty="0" smtClean="0"/>
-              <a:t>[mid] &gt; key)</a:t>
-            </a:r>
-          </a:p>
-          <a:p>
-            <a:r>
-              <a:rPr lang="en-US" altLang="zh-CN" dirty="0"/>
-              <a:t> </a:t>
-            </a:r>
-            <a:r>
-              <a:rPr lang="en-US" altLang="zh-CN" dirty="0" smtClean="0"/>
-              <a:t>       return </a:t>
-            </a:r>
-            <a:r>
-              <a:rPr lang="en-US" altLang="zh-CN" dirty="0" err="1" smtClean="0"/>
-              <a:t>bin_search</a:t>
-            </a:r>
-            <a:r>
-              <a:rPr lang="en-US" altLang="zh-CN" dirty="0" smtClean="0"/>
-              <a:t>(</a:t>
-            </a:r>
-            <a:r>
-              <a:rPr lang="en-US" altLang="zh-CN" dirty="0" err="1" smtClean="0"/>
-              <a:t>arr</a:t>
-            </a:r>
-            <a:r>
-              <a:rPr lang="en-US" altLang="zh-CN" dirty="0" smtClean="0"/>
-              <a:t>, start, mid - 1, key);</a:t>
-            </a:r>
-          </a:p>
-          <a:p>
-            <a:r>
-              <a:rPr lang="en-US" altLang="zh-CN" dirty="0"/>
-              <a:t> </a:t>
-            </a:r>
-            <a:r>
-              <a:rPr lang="en-US" altLang="zh-CN" dirty="0" smtClean="0"/>
-              <a:t>   if (</a:t>
-            </a:r>
-            <a:r>
-              <a:rPr lang="en-US" altLang="zh-CN" dirty="0" err="1" smtClean="0"/>
-              <a:t>arr</a:t>
-            </a:r>
-            <a:r>
-              <a:rPr lang="en-US" altLang="zh-CN" dirty="0" smtClean="0"/>
-              <a:t>[mid] &lt; key)</a:t>
-            </a:r>
-          </a:p>
-          <a:p>
-            <a:r>
-              <a:rPr lang="en-US" altLang="zh-CN" dirty="0"/>
-              <a:t> </a:t>
-            </a:r>
-            <a:r>
-              <a:rPr lang="en-US" altLang="zh-CN" dirty="0" smtClean="0"/>
-              <a:t>       return </a:t>
-            </a:r>
-            <a:r>
-              <a:rPr lang="en-US" altLang="zh-CN" dirty="0" err="1" smtClean="0"/>
-              <a:t>bin_search</a:t>
-            </a:r>
-            <a:r>
-              <a:rPr lang="en-US" altLang="zh-CN" dirty="0" smtClean="0"/>
-              <a:t>(</a:t>
-            </a:r>
-            <a:r>
-              <a:rPr lang="en-US" altLang="zh-CN" dirty="0" err="1" smtClean="0"/>
-              <a:t>arr</a:t>
-            </a:r>
-            <a:r>
-              <a:rPr lang="en-US" altLang="zh-CN" dirty="0"/>
-              <a:t>, </a:t>
-            </a:r>
-            <a:r>
-              <a:rPr lang="en-US" altLang="zh-CN" dirty="0" smtClean="0"/>
-              <a:t>mid + </a:t>
-            </a:r>
-            <a:r>
-              <a:rPr lang="en-US" altLang="zh-CN" dirty="0"/>
-              <a:t>1</a:t>
-            </a:r>
-            <a:r>
-              <a:rPr lang="en-US" altLang="zh-CN" dirty="0" smtClean="0"/>
-              <a:t>, end, </a:t>
-            </a:r>
-            <a:r>
-              <a:rPr lang="en-US" altLang="zh-CN" dirty="0"/>
-              <a:t>key</a:t>
-            </a:r>
-            <a:r>
-              <a:rPr lang="en-US" altLang="zh-CN" dirty="0" smtClean="0"/>
-              <a:t>);</a:t>
-            </a:r>
+              <a:rPr lang="en-US" altLang="zh-CN" dirty="0" smtClean="0">
+                <a:solidFill>
+                  <a:srgbClr val="FF0000"/>
+                </a:solidFill>
+              </a:rPr>
+              <a:t>[end] == key) return end;</a:t>
+            </a:r>
+            <a:endParaRPr lang="en-US" altLang="zh-CN" dirty="0" smtClean="0">
+              <a:solidFill>
+                <a:srgbClr val="FF0000"/>
+              </a:solidFill>
+            </a:endParaRPr>
+          </a:p>
+          <a:p>
+            <a:r>
+              <a:rPr lang="en-US" altLang="zh-CN" dirty="0" smtClean="0"/>
+              <a:t>    return -1;</a:t>
+            </a:r>
+            <a:endParaRPr lang="en-US" altLang="zh-CN" dirty="0"/>
           </a:p>
           <a:p>
             <a:r>

--- a/algos_summary.pptx
+++ b/algos_summary.pptx
@@ -4362,7 +4362,7 @@
         <p:spPr>
           <a:xfrm>
             <a:off x="755576" y="332656"/>
-            <a:ext cx="3600400" cy="400110"/>
+            <a:ext cx="4104456" cy="400110"/>
           </a:xfrm>
           <a:prstGeom prst="rect">
             <a:avLst/>
@@ -4385,7 +4385,19 @@
             </a:r>
             <a:r>
               <a:rPr lang="en-US" altLang="zh-CN" sz="2000" dirty="0" smtClean="0"/>
-              <a:t> LT&amp;ET</a:t>
+              <a:t> </a:t>
+            </a:r>
+            <a:r>
+              <a:rPr lang="en-US" altLang="zh-CN" sz="2000" dirty="0" smtClean="0"/>
+              <a:t>LT&amp;ET</a:t>
+            </a:r>
+            <a:r>
+              <a:rPr lang="zh-CN" altLang="en-US" sz="2000" dirty="0" smtClean="0"/>
+              <a:t>，</a:t>
+            </a:r>
+            <a:r>
+              <a:rPr lang="en-US" altLang="zh-CN" sz="2000" dirty="0"/>
+              <a:t> EPOLLONESHOT</a:t>
             </a:r>
             <a:endParaRPr lang="zh-CN" altLang="en-US" sz="2000" dirty="0"/>
           </a:p>
@@ -4400,7 +4412,7 @@
         <p:spPr>
           <a:xfrm>
             <a:off x="683568" y="899428"/>
-            <a:ext cx="7848872" cy="5632311"/>
+            <a:ext cx="7848872" cy="5909310"/>
           </a:xfrm>
           <a:prstGeom prst="rect">
             <a:avLst/>
@@ -4433,81 +4445,36 @@
           </a:p>
           <a:p>
             <a:r>
+              <a:rPr lang="zh-CN" altLang="en-US" dirty="0" smtClean="0"/>
+              <a:t>水平触发</a:t>
+            </a:r>
+            <a:r>
               <a:rPr lang="en-US" altLang="zh-CN" dirty="0" smtClean="0"/>
               <a:t>LT</a:t>
             </a:r>
             <a:r>
               <a:rPr lang="zh-CN" altLang="en-US" dirty="0" smtClean="0"/>
-              <a:t>使用：</a:t>
-            </a:r>
-            <a:endParaRPr lang="en-US" altLang="zh-CN" dirty="0" smtClean="0"/>
-          </a:p>
-          <a:p>
-            <a:r>
-              <a:rPr lang="en-US" altLang="zh-CN" dirty="0"/>
-              <a:t>1.</a:t>
-            </a:r>
-            <a:r>
-              <a:rPr lang="zh-CN" altLang="en-US" dirty="0"/>
-              <a:t>读</a:t>
-            </a:r>
-            <a:r>
-              <a:rPr lang="zh-CN" altLang="en-US" dirty="0" smtClean="0"/>
-              <a:t>缓冲区有</a:t>
-            </a:r>
-            <a:r>
-              <a:rPr lang="zh-CN" altLang="en-US" dirty="0"/>
-              <a:t>数据可读</a:t>
-            </a:r>
-            <a:r>
-              <a:rPr lang="zh-CN" altLang="en-US" dirty="0" smtClean="0"/>
-              <a:t>，始终触发</a:t>
-            </a:r>
-            <a:r>
-              <a:rPr lang="en-US" altLang="zh-CN" dirty="0"/>
-              <a:t>IN</a:t>
-            </a:r>
-            <a:r>
-              <a:rPr lang="zh-CN" altLang="en-US" dirty="0"/>
-              <a:t>。</a:t>
-            </a:r>
-            <a:endParaRPr lang="en-US" altLang="zh-CN" dirty="0"/>
-          </a:p>
-          <a:p>
-            <a:r>
-              <a:rPr lang="en-US" altLang="zh-CN" dirty="0"/>
-              <a:t>2.</a:t>
-            </a:r>
-            <a:r>
-              <a:rPr lang="zh-CN" altLang="en-US" dirty="0"/>
-              <a:t>写</a:t>
-            </a:r>
-            <a:r>
-              <a:rPr lang="zh-CN" altLang="en-US" dirty="0" smtClean="0"/>
-              <a:t>缓冲区有</a:t>
-            </a:r>
-            <a:r>
-              <a:rPr lang="zh-CN" altLang="en-US" dirty="0"/>
-              <a:t>空间可写</a:t>
-            </a:r>
-            <a:r>
-              <a:rPr lang="zh-CN" altLang="en-US" dirty="0" smtClean="0"/>
-              <a:t>，始终触发</a:t>
-            </a:r>
-            <a:r>
-              <a:rPr lang="en-US" altLang="zh-CN" dirty="0"/>
-              <a:t>OUT</a:t>
-            </a:r>
-            <a:r>
-              <a:rPr lang="zh-CN" altLang="en-US" dirty="0"/>
-              <a:t>。</a:t>
-            </a:r>
-            <a:endParaRPr lang="en-US" altLang="zh-CN" dirty="0"/>
-          </a:p>
-          <a:p>
-            <a:r>
-              <a:rPr lang="zh-CN" altLang="en-US" dirty="0" smtClean="0"/>
-              <a:t>使用方式：</a:t>
+              <a:t>：读缓冲区有数据可读</a:t>
+            </a:r>
+            <a:r>
+              <a:rPr lang="en-US" altLang="zh-CN" dirty="0" smtClean="0"/>
+              <a:t>/</a:t>
+            </a:r>
+            <a:r>
+              <a:rPr lang="zh-CN" altLang="en-US" dirty="0" smtClean="0"/>
+              <a:t>写缓冲区有空间可写入则持续触发</a:t>
+            </a:r>
+            <a:r>
+              <a:rPr lang="en-US" altLang="zh-CN" dirty="0" smtClean="0"/>
+              <a:t>EPOLLIN/EPOLLOUT</a:t>
+            </a:r>
+            <a:r>
+              <a:rPr lang="zh-CN" altLang="en-US" dirty="0" smtClean="0"/>
+              <a:t>事件。使用</a:t>
+            </a:r>
+            <a:r>
+              <a:rPr lang="zh-CN" altLang="en-US" dirty="0" smtClean="0"/>
+              <a:t>方式：</a:t>
             </a:r>
             <a:endParaRPr lang="en-US" altLang="zh-CN" dirty="0" smtClean="0"/>
           </a:p>
@@ -4545,36 +4512,61 @@
             </a:r>
             <a:r>
               <a:rPr lang="zh-CN" altLang="en-US" dirty="0" smtClean="0"/>
-              <a:t>事件。</a:t>
-            </a:r>
+              <a:t>事件</a:t>
+            </a:r>
+            <a:r>
+              <a:rPr lang="zh-CN" altLang="en-US" dirty="0" smtClean="0"/>
+              <a:t>。</a:t>
+            </a:r>
+            <a:endParaRPr lang="en-US" altLang="zh-CN" dirty="0" smtClean="0"/>
+          </a:p>
+          <a:p>
             <a:endParaRPr lang="en-US" altLang="zh-CN" dirty="0"/>
           </a:p>
           <a:p>
-            <a:endParaRPr lang="en-US" altLang="zh-CN" dirty="0"/>
-          </a:p>
-          <a:p>
+            <a:r>
+              <a:rPr lang="zh-CN" altLang="en-US" dirty="0" smtClean="0"/>
+              <a:t>边缘触发</a:t>
+            </a:r>
+            <a:r>
+              <a:rPr lang="en-US" altLang="zh-CN" dirty="0" smtClean="0"/>
+              <a:t>EPOLL</a:t>
+            </a:r>
             <a:r>
               <a:rPr lang="en-US" altLang="zh-CN" dirty="0" smtClean="0"/>
               <a:t>ET</a:t>
             </a:r>
             <a:r>
+              <a:rPr lang="zh-CN" altLang="en-US" dirty="0" smtClean="0"/>
+              <a:t>：</a:t>
+            </a:r>
+            <a:r>
+              <a:rPr lang="en-US" altLang="zh-CN" dirty="0" smtClean="0"/>
+              <a:t>1</a:t>
+            </a:r>
+            <a:r>
+              <a:rPr lang="en-US" altLang="zh-CN" dirty="0" smtClean="0"/>
+              <a:t>.</a:t>
+            </a:r>
+            <a:r>
+              <a:rPr lang="zh-CN" altLang="en-US" dirty="0" smtClean="0"/>
+              <a:t>读</a:t>
+            </a:r>
+            <a:r>
+              <a:rPr lang="zh-CN" altLang="en-US" dirty="0" smtClean="0"/>
+              <a:t>缓冲区</a:t>
+            </a:r>
+            <a:r>
               <a:rPr lang="zh-CN" altLang="en-US" dirty="0"/>
-              <a:t>触发</a:t>
-            </a:r>
-            <a:r>
-              <a:rPr lang="zh-CN" altLang="en-US" dirty="0" smtClean="0"/>
-              <a:t>：</a:t>
-            </a:r>
-            <a:endParaRPr lang="en-US" altLang="zh-CN" dirty="0"/>
-          </a:p>
-          <a:p>
-            <a:r>
-              <a:rPr lang="en-US" altLang="zh-CN" dirty="0" smtClean="0"/>
-              <a:t>1.</a:t>
-            </a:r>
-            <a:r>
-              <a:rPr lang="zh-CN" altLang="en-US" dirty="0" smtClean="0"/>
-              <a:t>读缓冲区从没数据到有数据可读，触发</a:t>
+              <a:t>第一次</a:t>
+            </a:r>
+            <a:r>
+              <a:rPr lang="zh-CN" altLang="en-US" dirty="0" smtClean="0"/>
+              <a:t>有</a:t>
+            </a:r>
+            <a:r>
+              <a:rPr lang="zh-CN" altLang="en-US" dirty="0" smtClean="0"/>
+              <a:t>数据可读，触发</a:t>
             </a:r>
             <a:r>
               <a:rPr lang="en-US" altLang="zh-CN" dirty="0" smtClean="0"/>
@@ -4584,23 +4576,74 @@
               <a:rPr lang="zh-CN" altLang="en-US" dirty="0" smtClean="0"/>
               <a:t>。</a:t>
             </a:r>
+            <a:r>
+              <a:rPr lang="en-US" altLang="zh-CN" dirty="0" smtClean="0"/>
+              <a:t>2</a:t>
+            </a:r>
+            <a:r>
+              <a:rPr lang="en-US" altLang="zh-CN" dirty="0" smtClean="0"/>
+              <a:t>.</a:t>
+            </a:r>
+            <a:r>
+              <a:rPr lang="zh-CN" altLang="en-US" dirty="0" smtClean="0"/>
+              <a:t>写缓冲区</a:t>
+            </a:r>
+            <a:r>
+              <a:rPr lang="zh-CN" altLang="en-US" dirty="0" smtClean="0"/>
+              <a:t>从第一次有</a:t>
+            </a:r>
+            <a:r>
+              <a:rPr lang="zh-CN" altLang="en-US" dirty="0" smtClean="0"/>
+              <a:t>空间可写，触发</a:t>
+            </a:r>
+            <a:r>
+              <a:rPr lang="en-US" altLang="zh-CN" dirty="0" smtClean="0"/>
+              <a:t>OUT</a:t>
+            </a:r>
+            <a:r>
+              <a:rPr lang="zh-CN" altLang="en-US" dirty="0" smtClean="0"/>
+              <a:t>。使用</a:t>
+            </a:r>
+            <a:r>
+              <a:rPr lang="zh-CN" altLang="en-US" dirty="0" smtClean="0"/>
+              <a:t>方式：</a:t>
+            </a:r>
             <a:endParaRPr lang="en-US" altLang="zh-CN" dirty="0" smtClean="0"/>
           </a:p>
           <a:p>
             <a:r>
               <a:rPr lang="en-US" altLang="zh-CN" dirty="0" smtClean="0"/>
-              <a:t>2.</a:t>
-            </a:r>
-            <a:r>
-              <a:rPr lang="zh-CN" altLang="en-US" dirty="0" smtClean="0"/>
-              <a:t>写缓冲区从满数据到有空间可写，触发</a:t>
-            </a:r>
+              <a:t>IN</a:t>
+            </a:r>
+            <a:r>
+              <a:rPr lang="zh-CN" altLang="en-US" dirty="0" smtClean="0"/>
+              <a:t>事件时：一直读取数据，直到</a:t>
+            </a:r>
+            <a:r>
+              <a:rPr lang="en-US" altLang="zh-CN" dirty="0" smtClean="0"/>
+              <a:t>EAGAIN</a:t>
+            </a:r>
+            <a:r>
+              <a:rPr lang="zh-CN" altLang="en-US" dirty="0" smtClean="0"/>
+              <a:t>。</a:t>
+            </a:r>
+            <a:endParaRPr lang="en-US" altLang="zh-CN" dirty="0" smtClean="0"/>
+          </a:p>
+          <a:p>
             <a:r>
               <a:rPr lang="en-US" altLang="zh-CN" dirty="0" smtClean="0"/>
               <a:t>OUT</a:t>
             </a:r>
             <a:r>
               <a:rPr lang="zh-CN" altLang="en-US" dirty="0" smtClean="0"/>
+              <a:t>事件时：一直写数据，直到</a:t>
+            </a:r>
+            <a:r>
+              <a:rPr lang="en-US" altLang="zh-CN" dirty="0" smtClean="0"/>
+              <a:t>EAGAIN</a:t>
+            </a:r>
+            <a:r>
+              <a:rPr lang="zh-CN" altLang="en-US" dirty="0" smtClean="0"/>
               <a:t>。</a:t>
             </a:r>
             <a:endParaRPr lang="en-US" altLang="zh-CN" dirty="0" smtClean="0"/>
@@ -4608,18 +4651,7 @@
           <a:p>
             <a:r>
               <a:rPr lang="zh-CN" altLang="en-US" dirty="0" smtClean="0"/>
-              <a:t>使用方式：</a:t>
-            </a:r>
-            <a:endParaRPr lang="en-US" altLang="zh-CN" dirty="0" smtClean="0"/>
-          </a:p>
-          <a:p>
-            <a:r>
-              <a:rPr lang="en-US" altLang="zh-CN" dirty="0" smtClean="0"/>
-              <a:t>IN</a:t>
-            </a:r>
-            <a:r>
-              <a:rPr lang="zh-CN" altLang="en-US" dirty="0" smtClean="0"/>
-              <a:t>事件时：一直读取数据，直到</a:t>
+              <a:t>当需要写数据时，直接写数据，直到</a:t>
             </a:r>
             <a:r>
               <a:rPr lang="en-US" altLang="zh-CN" dirty="0" smtClean="0"/>
@@ -4627,53 +4659,20 @@
             </a:r>
             <a:r>
               <a:rPr lang="zh-CN" altLang="en-US" dirty="0" smtClean="0"/>
+              <a:t>。不用等</a:t>
+            </a:r>
+            <a:r>
+              <a:rPr lang="en-US" altLang="zh-CN" dirty="0" smtClean="0"/>
+              <a:t>OUT</a:t>
+            </a:r>
+            <a:r>
+              <a:rPr lang="zh-CN" altLang="en-US" dirty="0" smtClean="0"/>
+              <a:t>事件</a:t>
+            </a:r>
+            <a:r>
+              <a:rPr lang="zh-CN" altLang="en-US" dirty="0" smtClean="0"/>
               <a:t>。</a:t>
             </a:r>
-            <a:endParaRPr lang="en-US" altLang="zh-CN" dirty="0" smtClean="0"/>
-          </a:p>
-          <a:p>
-            <a:r>
-              <a:rPr lang="en-US" altLang="zh-CN" dirty="0" smtClean="0"/>
-              <a:t>OUT</a:t>
-            </a:r>
-            <a:r>
-              <a:rPr lang="zh-CN" altLang="en-US" dirty="0" smtClean="0"/>
-              <a:t>事件时：一直写数据，直到</a:t>
-            </a:r>
-            <a:r>
-              <a:rPr lang="en-US" altLang="zh-CN" dirty="0" smtClean="0"/>
-              <a:t>EAGAIN</a:t>
-            </a:r>
-            <a:r>
-              <a:rPr lang="zh-CN" altLang="en-US" dirty="0" smtClean="0"/>
-              <a:t>。</a:t>
-            </a:r>
-            <a:endParaRPr lang="en-US" altLang="zh-CN" dirty="0" smtClean="0"/>
-          </a:p>
-          <a:p>
-            <a:r>
-              <a:rPr lang="zh-CN" altLang="en-US" dirty="0" smtClean="0"/>
-              <a:t>当需要写数据时，直接写数据，直到</a:t>
-            </a:r>
-            <a:r>
-              <a:rPr lang="en-US" altLang="zh-CN" dirty="0" smtClean="0"/>
-              <a:t>EAGAIN</a:t>
-            </a:r>
-            <a:r>
-              <a:rPr lang="zh-CN" altLang="en-US" dirty="0" smtClean="0"/>
-              <a:t>。不用等</a:t>
-            </a:r>
-            <a:r>
-              <a:rPr lang="en-US" altLang="zh-CN" dirty="0" smtClean="0"/>
-              <a:t>OUT</a:t>
-            </a:r>
-            <a:r>
-              <a:rPr lang="zh-CN" altLang="en-US" dirty="0" smtClean="0"/>
-              <a:t>事件。</a:t>
-            </a:r>
-            <a:endParaRPr lang="en-US" altLang="zh-CN" dirty="0" smtClean="0"/>
-          </a:p>
-          <a:p>
             <a:endParaRPr lang="en-US" altLang="zh-CN" dirty="0"/>
           </a:p>
           <a:p>
@@ -4835,7 +4834,69 @@
                   <a:srgbClr val="FF0000"/>
                 </a:solidFill>
               </a:rPr>
-              <a:t>（不关闭就一直上报）。</a:t>
+              <a:t>（不关闭就一直上报）</a:t>
+            </a:r>
+            <a:r>
+              <a:rPr lang="zh-CN" altLang="en-US" dirty="0" smtClean="0">
+                <a:solidFill>
+                  <a:srgbClr val="FF0000"/>
+                </a:solidFill>
+              </a:rPr>
+              <a:t>。</a:t>
+            </a:r>
+            <a:endParaRPr lang="en-US" altLang="zh-CN" dirty="0" smtClean="0">
+              <a:solidFill>
+                <a:srgbClr val="FF0000"/>
+              </a:solidFill>
+            </a:endParaRPr>
+          </a:p>
+          <a:p>
+            <a:endParaRPr lang="en-US" altLang="zh-CN" dirty="0" smtClean="0">
+              <a:solidFill>
+                <a:srgbClr val="FF0000"/>
+              </a:solidFill>
+            </a:endParaRPr>
+          </a:p>
+          <a:p>
+            <a:r>
+              <a:rPr lang="en-US" altLang="zh-CN" dirty="0" smtClean="0"/>
+              <a:t>EPOLLONESHOT</a:t>
+            </a:r>
+            <a:r>
+              <a:rPr lang="zh-CN" altLang="en-US" dirty="0" smtClean="0"/>
+              <a:t>：多线程时可能出现一个消息体被多个线程同时处理。即，一个消息体在</a:t>
+            </a:r>
+            <a:r>
+              <a:rPr lang="en-US" altLang="zh-CN" dirty="0" smtClean="0"/>
+              <a:t>LT</a:t>
+            </a:r>
+            <a:r>
+              <a:rPr lang="zh-CN" altLang="en-US" dirty="0" smtClean="0"/>
+              <a:t>模式下多次触发被多个线程处理，导致消息体数据不完整无法正常处理。</a:t>
+            </a:r>
+            <a:r>
+              <a:rPr lang="en-US" altLang="zh-CN" dirty="0"/>
+              <a:t> </a:t>
+            </a:r>
+            <a:r>
+              <a:rPr lang="zh-CN" altLang="en-US" dirty="0" smtClean="0"/>
+              <a:t>解决方法是线程一直读取到</a:t>
+            </a:r>
+            <a:r>
+              <a:rPr lang="en-US" altLang="zh-CN" dirty="0" smtClean="0"/>
+              <a:t>EAGAIN</a:t>
+            </a:r>
+            <a:r>
+              <a:rPr lang="zh-CN" altLang="en-US" dirty="0" smtClean="0"/>
+              <a:t>，然后重新设置</a:t>
+            </a:r>
+            <a:r>
+              <a:rPr lang="en-US" altLang="zh-CN" dirty="0" smtClean="0"/>
+              <a:t>EPOLLONESHOT</a:t>
+            </a:r>
+            <a:r>
+              <a:rPr lang="zh-CN" altLang="en-US" dirty="0" smtClean="0"/>
+              <a:t>事件，让下一个消息被新的线程处理，这样每个消息都被单个线程完整处理。</a:t>
             </a:r>
             <a:endParaRPr lang="en-US" altLang="zh-CN" dirty="0" smtClean="0">
               <a:solidFill>
@@ -6894,11 +6955,7 @@
             </a:r>
             <a:r>
               <a:rPr lang="zh-CN" altLang="en-US" dirty="0" smtClean="0"/>
-              <a:t>允许重复</a:t>
-            </a:r>
-            <a:r>
-              <a:rPr lang="zh-CN" altLang="en-US" dirty="0" smtClean="0"/>
-              <a:t>：</a:t>
+              <a:t>允许重复：</a:t>
             </a:r>
             <a:endParaRPr lang="en-US" altLang="zh-CN" dirty="0" smtClean="0"/>
           </a:p>
@@ -7134,11 +7191,7 @@
           <a:p>
             <a:r>
               <a:rPr lang="zh-CN" altLang="en-US" dirty="0" smtClean="0"/>
-              <a:t>允许重复</a:t>
-            </a:r>
-            <a:r>
-              <a:rPr lang="zh-CN" altLang="en-US" dirty="0" smtClean="0"/>
-              <a:t>：</a:t>
+              <a:t>允许重复：</a:t>
             </a:r>
             <a:endParaRPr lang="en-US" altLang="zh-CN" dirty="0" smtClean="0"/>
           </a:p>
@@ -7219,11 +7272,7 @@
             </a:r>
             <a:r>
               <a:rPr lang="en-US" altLang="zh-CN" dirty="0" smtClean="0"/>
-              <a:t> </a:t>
-            </a:r>
-            <a:r>
-              <a:rPr lang="en-US" altLang="zh-CN" dirty="0" smtClean="0"/>
-              <a:t>= 0;</a:t>
+              <a:t> = 0;</a:t>
             </a:r>
           </a:p>
           <a:p>
@@ -7275,15 +7324,7 @@
                   <a:srgbClr val="FF0000"/>
                 </a:solidFill>
               </a:rPr>
-              <a:t> </a:t>
-            </a:r>
-            <a:r>
-              <a:rPr lang="en-US" altLang="zh-CN" dirty="0" smtClean="0">
-                <a:solidFill>
-                  <a:srgbClr val="FF0000"/>
-                </a:solidFill>
-              </a:rPr>
-              <a:t>end</a:t>
+              <a:t> end</a:t>
             </a:r>
             <a:r>
               <a:rPr lang="en-US" altLang="zh-CN" dirty="0" smtClean="0"/>
@@ -7373,26 +7414,14 @@
             </a:r>
             <a:r>
               <a:rPr lang="en-US" altLang="zh-CN" dirty="0" smtClean="0"/>
-              <a:t>           </a:t>
-            </a:r>
-            <a:r>
-              <a:rPr lang="en-US" altLang="zh-CN" dirty="0" smtClean="0"/>
-              <a:t>end </a:t>
-            </a:r>
-            <a:r>
-              <a:rPr lang="en-US" altLang="zh-CN" dirty="0" smtClean="0"/>
-              <a:t>= mid;</a:t>
+              <a:t>           end = mid;</a:t>
             </a:r>
             <a:endParaRPr lang="en-US" altLang="zh-CN" dirty="0"/>
           </a:p>
           <a:p>
             <a:r>
               <a:rPr lang="en-US" altLang="zh-CN" dirty="0" smtClean="0"/>
-              <a:t>    </a:t>
-            </a:r>
-            <a:r>
-              <a:rPr lang="en-US" altLang="zh-CN" dirty="0" smtClean="0"/>
-              <a:t>}</a:t>
+              <a:t>    }</a:t>
             </a:r>
           </a:p>
           <a:p>
@@ -7428,11 +7457,6 @@
               </a:rPr>
               <a:t>[end] == key) return end;</a:t>
             </a:r>
-            <a:endParaRPr lang="en-US" altLang="zh-CN" dirty="0" smtClean="0">
-              <a:solidFill>
-                <a:srgbClr val="FF0000"/>
-              </a:solidFill>
-            </a:endParaRPr>
           </a:p>
           <a:p>
             <a:r>
